--- a/slides/HashiCorpMicroservicesDemo.pptx
+++ b/slides/HashiCorpMicroservicesDemo.pptx
@@ -6,24 +6,25 @@
     <p:sldMasterId id="2147483895" r:id="rId2"/>
   </p:sldMasterIdLst>
   <p:notesMasterIdLst>
-    <p:notesMasterId r:id="rId15"/>
+    <p:notesMasterId r:id="rId16"/>
   </p:notesMasterIdLst>
   <p:handoutMasterIdLst>
-    <p:handoutMasterId r:id="rId16"/>
+    <p:handoutMasterId r:id="rId17"/>
   </p:handoutMasterIdLst>
   <p:sldIdLst>
     <p:sldId id="296" r:id="rId3"/>
     <p:sldId id="262" r:id="rId4"/>
     <p:sldId id="297" r:id="rId5"/>
-    <p:sldId id="298" r:id="rId6"/>
-    <p:sldId id="299" r:id="rId7"/>
-    <p:sldId id="300" r:id="rId8"/>
-    <p:sldId id="301" r:id="rId9"/>
-    <p:sldId id="302" r:id="rId10"/>
-    <p:sldId id="303" r:id="rId11"/>
-    <p:sldId id="304" r:id="rId12"/>
-    <p:sldId id="305" r:id="rId13"/>
-    <p:sldId id="306" r:id="rId14"/>
+    <p:sldId id="308" r:id="rId6"/>
+    <p:sldId id="298" r:id="rId7"/>
+    <p:sldId id="299" r:id="rId8"/>
+    <p:sldId id="300" r:id="rId9"/>
+    <p:sldId id="301" r:id="rId10"/>
+    <p:sldId id="302" r:id="rId11"/>
+    <p:sldId id="303" r:id="rId12"/>
+    <p:sldId id="304" r:id="rId13"/>
+    <p:sldId id="305" r:id="rId14"/>
+    <p:sldId id="306" r:id="rId15"/>
   </p:sldIdLst>
   <p:sldSz cx="9144000" cy="5143500" type="screen16x9"/>
   <p:notesSz cx="6858000" cy="9144000"/>
@@ -226,7 +227,7 @@
           <a:p>
             <a:fld id="{BBC630C3-FFBB-4FFF-84FB-B5F6AF3DA18B}" type="datetimeFigureOut">
               <a:rPr lang="en-US" smtClean="0"/>
-              <a:t>4/4/18</a:t>
+              <a:t>4/24/18</a:t>
             </a:fld>
             <a:endParaRPr lang="en-US"/>
           </a:p>
@@ -392,7 +393,7 @@
           <a:p>
             <a:fld id="{D387AF2B-DA74-49C9-8A28-47E51096BFE8}" type="datetimeFigureOut">
               <a:rPr lang="en-US" smtClean="0"/>
-              <a:t>4/4/18</a:t>
+              <a:t>4/24/18</a:t>
             </a:fld>
             <a:endParaRPr lang="en-US"/>
           </a:p>
@@ -13433,17 +13434,17 @@
           <a:lstStyle/>
           <a:p>
             <a:r>
-              <a:rPr lang="en-US"/>
-              <a:t>Deploying and Running Microservices with</a:t>
+              <a:rPr lang="en-US" sz="2800"/>
+              <a:t>Deploying, Running and Securing Microservices with</a:t>
             </a:r>
             <a:br>
-              <a:rPr lang="en-US"/>
+              <a:rPr lang="en-US" sz="2800"/>
             </a:br>
             <a:r>
-              <a:rPr lang="en-US"/>
-              <a:t>Nomad and Consul</a:t>
-            </a:r>
-            <a:endParaRPr lang="en-US" dirty="0"/>
+              <a:rPr lang="en-US" sz="2800"/>
+              <a:t>Terraform, Nomad, Consul, and Vault</a:t>
+            </a:r>
+            <a:endParaRPr lang="en-US" sz="2800" dirty="0"/>
           </a:p>
         </p:txBody>
       </p:sp>
@@ -13525,7 +13526,7 @@
           <p:cNvPr id="2" name="Text Placeholder 1">
             <a:extLst>
               <a:ext uri="{FF2B5EF4-FFF2-40B4-BE49-F238E27FC236}">
-                <a16:creationId xmlns:a16="http://schemas.microsoft.com/office/drawing/2014/main" id="{EE547309-A56E-F34D-B2CC-A08CA6F58837}"/>
+                <a16:creationId xmlns:a16="http://schemas.microsoft.com/office/drawing/2014/main" id="{5B282358-9555-BC4B-98E3-893A93AD5DA3}"/>
               </a:ext>
             </a:extLst>
           </p:cNvPr>
@@ -13543,14 +13544,29 @@
           <a:p>
             <a:r>
               <a:rPr lang="en-US"/>
-              <a:t>Consul provides a distributed key/value store and service registration and discovery along with health checking of nodes and services.</a:t>
+              <a:t>Nomad deploys and manages applications across clusters of many virtual and/or physical machines.</a:t>
             </a:r>
           </a:p>
           <a:p>
             <a:r>
               <a:rPr lang="en-US"/>
-              <a:t>Like Nomad, Consul has a single binary used on both client and server nodes, making it architecturally much simpler than options like etcd and ZooKeeper.</a:t>
-            </a:r>
+              <a:t>It can run Docker containers as we have discussed, but can also run other workloads, whether containerized or not, including Java applications.</a:t>
+            </a:r>
+          </a:p>
+          <a:p>
+            <a:r>
+              <a:rPr lang="en-US"/>
+              <a:t>Nomad does not limit you to a single region or even to a single cloud vendor.</a:t>
+            </a:r>
+          </a:p>
+          <a:p>
+            <a:r>
+              <a:rPr lang="en-US"/>
+              <a:t>Nomad has a single binary used on both client and server nodes, making it architecturally much simpler than options like Kubernetes.</a:t>
+            </a:r>
+          </a:p>
+          <a:p>
+            <a:endParaRPr lang="en-US"/>
           </a:p>
         </p:txBody>
       </p:sp>
@@ -13559,7 +13575,7 @@
           <p:cNvPr id="3" name="Title 2">
             <a:extLst>
               <a:ext uri="{FF2B5EF4-FFF2-40B4-BE49-F238E27FC236}">
-                <a16:creationId xmlns:a16="http://schemas.microsoft.com/office/drawing/2014/main" id="{8D771F42-295A-7F42-B0A8-E826F4652750}"/>
+                <a16:creationId xmlns:a16="http://schemas.microsoft.com/office/drawing/2014/main" id="{2E00ECF5-0140-BA44-87ED-0869F21AFE3F}"/>
               </a:ext>
             </a:extLst>
           </p:cNvPr>
@@ -13577,7 +13593,7 @@
           <a:p>
             <a:r>
               <a:rPr lang="en-US"/>
-              <a:t>Consul</a:t>
+              <a:t>Nomad</a:t>
             </a:r>
           </a:p>
         </p:txBody>
@@ -13587,7 +13603,7 @@
           <p:cNvPr id="4" name="Slide Number Placeholder 3">
             <a:extLst>
               <a:ext uri="{FF2B5EF4-FFF2-40B4-BE49-F238E27FC236}">
-                <a16:creationId xmlns:a16="http://schemas.microsoft.com/office/drawing/2014/main" id="{BE8485BA-A8EE-D44B-9E89-AB5CA152902F}"/>
+                <a16:creationId xmlns:a16="http://schemas.microsoft.com/office/drawing/2014/main" id="{E1EBD438-060E-E940-9A76-F1CC8A43BC31}"/>
               </a:ext>
             </a:extLst>
           </p:cNvPr>
@@ -13615,7 +13631,7 @@
     </p:spTree>
     <p:extLst>
       <p:ext uri="{BB962C8B-B14F-4D97-AF65-F5344CB8AC3E}">
-        <p14:creationId xmlns:p14="http://schemas.microsoft.com/office/powerpoint/2010/main" val="100949236"/>
+        <p14:creationId xmlns:p14="http://schemas.microsoft.com/office/powerpoint/2010/main" val="4120085931"/>
       </p:ext>
     </p:extLst>
   </p:cSld>
@@ -13647,6 +13663,128 @@
           <p:cNvPr id="2" name="Text Placeholder 1">
             <a:extLst>
               <a:ext uri="{FF2B5EF4-FFF2-40B4-BE49-F238E27FC236}">
+                <a16:creationId xmlns:a16="http://schemas.microsoft.com/office/drawing/2014/main" id="{EE547309-A56E-F34D-B2CC-A08CA6F58837}"/>
+              </a:ext>
+            </a:extLst>
+          </p:cNvPr>
+          <p:cNvSpPr>
+            <a:spLocks noGrp="1"/>
+          </p:cNvSpPr>
+          <p:nvPr>
+            <p:ph type="body" sz="quarter" idx="36"/>
+          </p:nvPr>
+        </p:nvSpPr>
+        <p:spPr/>
+        <p:txBody>
+          <a:bodyPr/>
+          <a:lstStyle/>
+          <a:p>
+            <a:r>
+              <a:rPr lang="en-US"/>
+              <a:t>Consul provides a distributed key/value store and service registration and discovery along with health checking of nodes and services.</a:t>
+            </a:r>
+          </a:p>
+          <a:p>
+            <a:r>
+              <a:rPr lang="en-US"/>
+              <a:t>Like Nomad, Consul has a single binary used on both client and server nodes, making it architecturally much simpler than options like etcd and ZooKeeper.</a:t>
+            </a:r>
+          </a:p>
+        </p:txBody>
+      </p:sp>
+      <p:sp>
+        <p:nvSpPr>
+          <p:cNvPr id="3" name="Title 2">
+            <a:extLst>
+              <a:ext uri="{FF2B5EF4-FFF2-40B4-BE49-F238E27FC236}">
+                <a16:creationId xmlns:a16="http://schemas.microsoft.com/office/drawing/2014/main" id="{8D771F42-295A-7F42-B0A8-E826F4652750}"/>
+              </a:ext>
+            </a:extLst>
+          </p:cNvPr>
+          <p:cNvSpPr>
+            <a:spLocks noGrp="1"/>
+          </p:cNvSpPr>
+          <p:nvPr>
+            <p:ph type="title"/>
+          </p:nvPr>
+        </p:nvSpPr>
+        <p:spPr/>
+        <p:txBody>
+          <a:bodyPr/>
+          <a:lstStyle/>
+          <a:p>
+            <a:r>
+              <a:rPr lang="en-US"/>
+              <a:t>Consul</a:t>
+            </a:r>
+          </a:p>
+        </p:txBody>
+      </p:sp>
+      <p:sp>
+        <p:nvSpPr>
+          <p:cNvPr id="4" name="Slide Number Placeholder 3">
+            <a:extLst>
+              <a:ext uri="{FF2B5EF4-FFF2-40B4-BE49-F238E27FC236}">
+                <a16:creationId xmlns:a16="http://schemas.microsoft.com/office/drawing/2014/main" id="{BE8485BA-A8EE-D44B-9E89-AB5CA152902F}"/>
+              </a:ext>
+            </a:extLst>
+          </p:cNvPr>
+          <p:cNvSpPr>
+            <a:spLocks noGrp="1"/>
+          </p:cNvSpPr>
+          <p:nvPr>
+            <p:ph type="sldNum" sz="quarter" idx="4"/>
+          </p:nvPr>
+        </p:nvSpPr>
+        <p:spPr/>
+        <p:txBody>
+          <a:bodyPr/>
+          <a:lstStyle/>
+          <a:p>
+            <a:fld id="{9A68FE36-BDA6-4A87-8648-115964FC2835}" type="slidenum">
+              <a:rPr lang="uk-UA" smtClean="0"/>
+              <a:pPr/>
+              <a:t>11</a:t>
+            </a:fld>
+            <a:endParaRPr lang="uk-UA" dirty="0"/>
+          </a:p>
+        </p:txBody>
+      </p:sp>
+    </p:spTree>
+    <p:extLst>
+      <p:ext uri="{BB962C8B-B14F-4D97-AF65-F5344CB8AC3E}">
+        <p14:creationId xmlns:p14="http://schemas.microsoft.com/office/powerpoint/2010/main" val="100949236"/>
+      </p:ext>
+    </p:extLst>
+  </p:cSld>
+  <p:clrMapOvr>
+    <a:masterClrMapping/>
+  </p:clrMapOvr>
+</p:sld>
+</file>
+
+<file path=ppt/slides/slide12.xml><?xml version="1.0" encoding="utf-8"?>
+<p:sld xmlns:a="http://schemas.openxmlformats.org/drawingml/2006/main" xmlns:r="http://schemas.openxmlformats.org/officeDocument/2006/relationships" xmlns:p="http://schemas.openxmlformats.org/presentationml/2006/main">
+  <p:cSld>
+    <p:spTree>
+      <p:nvGrpSpPr>
+        <p:cNvPr id="1" name=""/>
+        <p:cNvGrpSpPr/>
+        <p:nvPr/>
+      </p:nvGrpSpPr>
+      <p:grpSpPr>
+        <a:xfrm>
+          <a:off x="0" y="0"/>
+          <a:ext cx="0" cy="0"/>
+          <a:chOff x="0" y="0"/>
+          <a:chExt cx="0" cy="0"/>
+        </a:xfrm>
+      </p:grpSpPr>
+      <p:sp>
+        <p:nvSpPr>
+          <p:cNvPr id="2" name="Text Placeholder 1">
+            <a:extLst>
+              <a:ext uri="{FF2B5EF4-FFF2-40B4-BE49-F238E27FC236}">
                 <a16:creationId xmlns:a16="http://schemas.microsoft.com/office/drawing/2014/main" id="{DD857F17-0142-3044-B642-EB19167A7522}"/>
               </a:ext>
             </a:extLst>
@@ -13740,7 +13878,7 @@
             <a:fld id="{9A68FE36-BDA6-4A87-8648-115964FC2835}" type="slidenum">
               <a:rPr lang="uk-UA" smtClean="0"/>
               <a:pPr/>
-              <a:t>11</a:t>
+              <a:t>12</a:t>
             </a:fld>
             <a:endParaRPr lang="uk-UA" dirty="0"/>
           </a:p>
@@ -13759,7 +13897,7 @@
 </p:sld>
 </file>
 
-<file path=ppt/slides/slide12.xml><?xml version="1.0" encoding="utf-8"?>
+<file path=ppt/slides/slide13.xml><?xml version="1.0" encoding="utf-8"?>
 <p:sld xmlns:a="http://schemas.openxmlformats.org/drawingml/2006/main" xmlns:r="http://schemas.openxmlformats.org/officeDocument/2006/relationships" xmlns:p="http://schemas.openxmlformats.org/presentationml/2006/main">
   <p:cSld>
     <p:spTree>
@@ -13931,19 +14069,19 @@
           <a:p>
             <a:r>
               <a:rPr lang="en-US"/>
-              <a:t>Running the microservices with Nomad</a:t>
+              <a:t>Running the Microservices with Nomad</a:t>
             </a:r>
           </a:p>
           <a:p>
             <a:r>
               <a:rPr lang="en-US"/>
-              <a:t>Registering and discovering them with Consul</a:t>
+              <a:t>Registering and Discovering them with Consul</a:t>
             </a:r>
           </a:p>
           <a:p>
             <a:r>
               <a:rPr lang="en-US"/>
-              <a:t>Retrieving secrets from Vault</a:t>
+              <a:t>Retrieving Secrets from Vault</a:t>
             </a:r>
           </a:p>
         </p:txBody>
@@ -14217,62 +14355,10 @@
       </p:grpSpPr>
       <p:sp>
         <p:nvSpPr>
-          <p:cNvPr id="2" name="Text Placeholder 1">
-            <a:extLst>
-              <a:ext uri="{FF2B5EF4-FFF2-40B4-BE49-F238E27FC236}">
-                <a16:creationId xmlns:a16="http://schemas.microsoft.com/office/drawing/2014/main" id="{4A8047F7-E30E-3F43-B32A-F2CBBA1041B4}"/>
-              </a:ext>
-            </a:extLst>
-          </p:cNvPr>
-          <p:cNvSpPr>
-            <a:spLocks noGrp="1"/>
-          </p:cNvSpPr>
-          <p:nvPr>
-            <p:ph type="body" sz="quarter" idx="36"/>
-          </p:nvPr>
-        </p:nvSpPr>
-        <p:spPr/>
-        <p:txBody>
-          <a:bodyPr/>
-          <a:lstStyle/>
-          <a:p>
-            <a:r>
-              <a:rPr lang="en-US"/>
-              <a:t>Packer builds an Amazon EC2 image with Nomad, Consul, Docker, and everything else needed to run the Sock Shop apps.</a:t>
-            </a:r>
-          </a:p>
-          <a:p>
-            <a:r>
-              <a:rPr lang="en-US"/>
-              <a:t>Terraform provisions everything to AWS.</a:t>
-            </a:r>
-          </a:p>
-          <a:p>
-            <a:r>
-              <a:rPr lang="en-US"/>
-              <a:t>Nomad schedules and manages the Sock Shop microservices.</a:t>
-            </a:r>
-          </a:p>
-          <a:p>
-            <a:r>
-              <a:rPr lang="en-US"/>
-              <a:t>Consul is used for service discovery, as a storage backend for Vault, and as a distributed key/value store for a Docker overlay network.</a:t>
-            </a:r>
-          </a:p>
-          <a:p>
-            <a:r>
-              <a:rPr lang="en-US"/>
-              <a:t>Vault dynamically provisions AWS credentials to Terraform and database passwords to Nomad.</a:t>
-            </a:r>
-          </a:p>
-        </p:txBody>
-      </p:sp>
-      <p:sp>
-        <p:nvSpPr>
           <p:cNvPr id="3" name="Title 2">
             <a:extLst>
               <a:ext uri="{FF2B5EF4-FFF2-40B4-BE49-F238E27FC236}">
-                <a16:creationId xmlns:a16="http://schemas.microsoft.com/office/drawing/2014/main" id="{E4F93715-0AB7-854F-8A4E-D20C934B7AE6}"/>
+                <a16:creationId xmlns:a16="http://schemas.microsoft.com/office/drawing/2014/main" id="{C0378335-1988-934D-B2A8-DEAE8C1099F5}"/>
               </a:ext>
             </a:extLst>
           </p:cNvPr>
@@ -14283,14 +14369,19 @@
             <p:ph type="title"/>
           </p:nvPr>
         </p:nvSpPr>
-        <p:spPr/>
+        <p:spPr>
+          <a:xfrm>
+            <a:off x="544451" y="293840"/>
+            <a:ext cx="8155049" cy="588755"/>
+          </a:xfrm>
+        </p:spPr>
         <p:txBody>
           <a:bodyPr/>
           <a:lstStyle/>
           <a:p>
             <a:r>
               <a:rPr lang="en-US"/>
-              <a:t>How HashiCorp Solutions Are Used</a:t>
+              <a:t>Sock Shop Microservices Deployed by Nomad</a:t>
             </a:r>
           </a:p>
         </p:txBody>
@@ -14300,7 +14391,7 @@
           <p:cNvPr id="4" name="Slide Number Placeholder 3">
             <a:extLst>
               <a:ext uri="{FF2B5EF4-FFF2-40B4-BE49-F238E27FC236}">
-                <a16:creationId xmlns:a16="http://schemas.microsoft.com/office/drawing/2014/main" id="{C6EF2974-DD14-4E49-A1D7-78E2D8AC072E}"/>
+                <a16:creationId xmlns:a16="http://schemas.microsoft.com/office/drawing/2014/main" id="{283033FC-0B0A-BE48-B8BF-C7DFFFC4094E}"/>
               </a:ext>
             </a:extLst>
           </p:cNvPr>
@@ -14325,10 +14416,2009 @@
           </a:p>
         </p:txBody>
       </p:sp>
+      <p:sp>
+        <p:nvSpPr>
+          <p:cNvPr id="5" name="Rectangle 4">
+            <a:extLst>
+              <a:ext uri="{FF2B5EF4-FFF2-40B4-BE49-F238E27FC236}">
+                <a16:creationId xmlns:a16="http://schemas.microsoft.com/office/drawing/2014/main" id="{71C6E957-CDAC-9A41-83B0-13C5C011E4E5}"/>
+              </a:ext>
+            </a:extLst>
+          </p:cNvPr>
+          <p:cNvSpPr/>
+          <p:nvPr/>
+        </p:nvSpPr>
+        <p:spPr>
+          <a:xfrm>
+            <a:off x="2228246" y="952830"/>
+            <a:ext cx="866692" cy="604299"/>
+          </a:xfrm>
+          <a:prstGeom prst="rect">
+            <a:avLst/>
+          </a:prstGeom>
+          <a:solidFill>
+            <a:schemeClr val="accent2">
+              <a:lumMod val="60000"/>
+              <a:lumOff val="40000"/>
+            </a:schemeClr>
+          </a:solidFill>
+          <a:ln>
+            <a:noFill/>
+          </a:ln>
+        </p:spPr>
+        <p:style>
+          <a:lnRef idx="2">
+            <a:schemeClr val="accent1">
+              <a:shade val="50000"/>
+            </a:schemeClr>
+          </a:lnRef>
+          <a:fillRef idx="1">
+            <a:schemeClr val="accent1"/>
+          </a:fillRef>
+          <a:effectRef idx="0">
+            <a:schemeClr val="accent1"/>
+          </a:effectRef>
+          <a:fontRef idx="minor">
+            <a:schemeClr val="lt1"/>
+          </a:fontRef>
+        </p:style>
+        <p:txBody>
+          <a:bodyPr rtlCol="0" anchor="ctr"/>
+          <a:lstStyle/>
+          <a:p>
+            <a:pPr algn="ctr"/>
+            <a:r>
+              <a:rPr lang="en-US" sz="1200">
+                <a:solidFill>
+                  <a:schemeClr val="tx1"/>
+                </a:solidFill>
+                <a:latin typeface="Arial" panose="020B0604020202020204" pitchFamily="34" charset="0"/>
+                <a:cs typeface="Arial" panose="020B0604020202020204" pitchFamily="34" charset="0"/>
+              </a:rPr>
+              <a:t>front-end</a:t>
+            </a:r>
+          </a:p>
+          <a:p>
+            <a:pPr algn="ctr"/>
+            <a:r>
+              <a:rPr lang="en-US" sz="1200">
+                <a:solidFill>
+                  <a:schemeClr val="tx1"/>
+                </a:solidFill>
+                <a:latin typeface="Arial" panose="020B0604020202020204" pitchFamily="34" charset="0"/>
+                <a:cs typeface="Arial" panose="020B0604020202020204" pitchFamily="34" charset="0"/>
+              </a:rPr>
+              <a:t>(node.js)</a:t>
+            </a:r>
+          </a:p>
+        </p:txBody>
+      </p:sp>
+      <p:sp>
+        <p:nvSpPr>
+          <p:cNvPr id="11" name="Rectangle 10">
+            <a:extLst>
+              <a:ext uri="{FF2B5EF4-FFF2-40B4-BE49-F238E27FC236}">
+                <a16:creationId xmlns:a16="http://schemas.microsoft.com/office/drawing/2014/main" id="{3D05C4A5-D8EB-7747-88A6-44ECC3AA47AA}"/>
+              </a:ext>
+            </a:extLst>
+          </p:cNvPr>
+          <p:cNvSpPr/>
+          <p:nvPr/>
+        </p:nvSpPr>
+        <p:spPr>
+          <a:xfrm>
+            <a:off x="690438" y="3601941"/>
+            <a:ext cx="866692" cy="604299"/>
+          </a:xfrm>
+          <a:prstGeom prst="rect">
+            <a:avLst/>
+          </a:prstGeom>
+          <a:solidFill>
+            <a:schemeClr val="accent2">
+              <a:lumMod val="60000"/>
+              <a:lumOff val="40000"/>
+            </a:schemeClr>
+          </a:solidFill>
+          <a:ln>
+            <a:noFill/>
+          </a:ln>
+        </p:spPr>
+        <p:style>
+          <a:lnRef idx="2">
+            <a:schemeClr val="accent1">
+              <a:shade val="50000"/>
+            </a:schemeClr>
+          </a:lnRef>
+          <a:fillRef idx="1">
+            <a:schemeClr val="accent1"/>
+          </a:fillRef>
+          <a:effectRef idx="0">
+            <a:schemeClr val="accent1"/>
+          </a:effectRef>
+          <a:fontRef idx="minor">
+            <a:schemeClr val="lt1"/>
+          </a:fontRef>
+        </p:style>
+        <p:txBody>
+          <a:bodyPr rtlCol="0" anchor="ctr"/>
+          <a:lstStyle/>
+          <a:p>
+            <a:pPr algn="ctr"/>
+            <a:r>
+              <a:rPr lang="en-US" sz="1200">
+                <a:solidFill>
+                  <a:schemeClr val="tx1"/>
+                </a:solidFill>
+                <a:latin typeface="Arial" panose="020B0604020202020204" pitchFamily="34" charset="0"/>
+                <a:cs typeface="Arial" panose="020B0604020202020204" pitchFamily="34" charset="0"/>
+              </a:rPr>
+              <a:t>user-db</a:t>
+            </a:r>
+          </a:p>
+          <a:p>
+            <a:pPr algn="ctr"/>
+            <a:r>
+              <a:rPr lang="en-US" sz="1200">
+                <a:solidFill>
+                  <a:schemeClr val="tx1"/>
+                </a:solidFill>
+                <a:latin typeface="Arial" panose="020B0604020202020204" pitchFamily="34" charset="0"/>
+                <a:cs typeface="Arial" panose="020B0604020202020204" pitchFamily="34" charset="0"/>
+              </a:rPr>
+              <a:t>(Mongo)</a:t>
+            </a:r>
+          </a:p>
+        </p:txBody>
+      </p:sp>
+      <p:sp>
+        <p:nvSpPr>
+          <p:cNvPr id="12" name="Rectangle 11">
+            <a:extLst>
+              <a:ext uri="{FF2B5EF4-FFF2-40B4-BE49-F238E27FC236}">
+                <a16:creationId xmlns:a16="http://schemas.microsoft.com/office/drawing/2014/main" id="{77741EE5-0DE1-A840-B451-C00975A29EA6}"/>
+              </a:ext>
+            </a:extLst>
+          </p:cNvPr>
+          <p:cNvSpPr/>
+          <p:nvPr/>
+        </p:nvSpPr>
+        <p:spPr>
+          <a:xfrm>
+            <a:off x="1724107" y="3601940"/>
+            <a:ext cx="866692" cy="604299"/>
+          </a:xfrm>
+          <a:prstGeom prst="rect">
+            <a:avLst/>
+          </a:prstGeom>
+          <a:solidFill>
+            <a:schemeClr val="accent2">
+              <a:lumMod val="60000"/>
+              <a:lumOff val="40000"/>
+            </a:schemeClr>
+          </a:solidFill>
+          <a:ln>
+            <a:noFill/>
+          </a:ln>
+        </p:spPr>
+        <p:style>
+          <a:lnRef idx="2">
+            <a:schemeClr val="accent1">
+              <a:shade val="50000"/>
+            </a:schemeClr>
+          </a:lnRef>
+          <a:fillRef idx="1">
+            <a:schemeClr val="accent1"/>
+          </a:fillRef>
+          <a:effectRef idx="0">
+            <a:schemeClr val="accent1"/>
+          </a:effectRef>
+          <a:fontRef idx="minor">
+            <a:schemeClr val="lt1"/>
+          </a:fontRef>
+        </p:style>
+        <p:txBody>
+          <a:bodyPr rtlCol="0" anchor="ctr"/>
+          <a:lstStyle/>
+          <a:p>
+            <a:pPr algn="ctr"/>
+            <a:r>
+              <a:rPr lang="en-US" sz="1200">
+                <a:solidFill>
+                  <a:schemeClr val="tx1"/>
+                </a:solidFill>
+                <a:latin typeface="Arial" panose="020B0604020202020204" pitchFamily="34" charset="0"/>
+                <a:cs typeface="Arial" panose="020B0604020202020204" pitchFamily="34" charset="0"/>
+              </a:rPr>
+              <a:t>cataloguedb</a:t>
+            </a:r>
+          </a:p>
+          <a:p>
+            <a:pPr algn="ctr"/>
+            <a:r>
+              <a:rPr lang="en-US" sz="1200">
+                <a:solidFill>
+                  <a:schemeClr val="tx1"/>
+                </a:solidFill>
+                <a:latin typeface="Arial" panose="020B0604020202020204" pitchFamily="34" charset="0"/>
+                <a:cs typeface="Arial" panose="020B0604020202020204" pitchFamily="34" charset="0"/>
+              </a:rPr>
+              <a:t>(MySQL)</a:t>
+            </a:r>
+          </a:p>
+        </p:txBody>
+      </p:sp>
+      <p:sp>
+        <p:nvSpPr>
+          <p:cNvPr id="13" name="Rectangle 12">
+            <a:extLst>
+              <a:ext uri="{FF2B5EF4-FFF2-40B4-BE49-F238E27FC236}">
+                <a16:creationId xmlns:a16="http://schemas.microsoft.com/office/drawing/2014/main" id="{86EDB27E-E837-7A4A-B339-C2B60F71E508}"/>
+              </a:ext>
+            </a:extLst>
+          </p:cNvPr>
+          <p:cNvSpPr/>
+          <p:nvPr/>
+        </p:nvSpPr>
+        <p:spPr>
+          <a:xfrm>
+            <a:off x="2757776" y="3601939"/>
+            <a:ext cx="866692" cy="604299"/>
+          </a:xfrm>
+          <a:prstGeom prst="rect">
+            <a:avLst/>
+          </a:prstGeom>
+          <a:solidFill>
+            <a:schemeClr val="accent2">
+              <a:lumMod val="60000"/>
+              <a:lumOff val="40000"/>
+            </a:schemeClr>
+          </a:solidFill>
+          <a:ln>
+            <a:noFill/>
+          </a:ln>
+        </p:spPr>
+        <p:style>
+          <a:lnRef idx="2">
+            <a:schemeClr val="accent1">
+              <a:shade val="50000"/>
+            </a:schemeClr>
+          </a:lnRef>
+          <a:fillRef idx="1">
+            <a:schemeClr val="accent1"/>
+          </a:fillRef>
+          <a:effectRef idx="0">
+            <a:schemeClr val="accent1"/>
+          </a:effectRef>
+          <a:fontRef idx="minor">
+            <a:schemeClr val="lt1"/>
+          </a:fontRef>
+        </p:style>
+        <p:txBody>
+          <a:bodyPr rtlCol="0" anchor="ctr"/>
+          <a:lstStyle/>
+          <a:p>
+            <a:pPr algn="ctr"/>
+            <a:r>
+              <a:rPr lang="en-US" sz="1200">
+                <a:solidFill>
+                  <a:schemeClr val="tx1"/>
+                </a:solidFill>
+                <a:latin typeface="Arial" panose="020B0604020202020204" pitchFamily="34" charset="0"/>
+                <a:cs typeface="Arial" panose="020B0604020202020204" pitchFamily="34" charset="0"/>
+              </a:rPr>
+              <a:t>cart-db</a:t>
+            </a:r>
+          </a:p>
+          <a:p>
+            <a:pPr algn="ctr"/>
+            <a:r>
+              <a:rPr lang="en-US" sz="1200">
+                <a:solidFill>
+                  <a:schemeClr val="tx1"/>
+                </a:solidFill>
+                <a:latin typeface="Arial" panose="020B0604020202020204" pitchFamily="34" charset="0"/>
+                <a:cs typeface="Arial" panose="020B0604020202020204" pitchFamily="34" charset="0"/>
+              </a:rPr>
+              <a:t>(Mongo)</a:t>
+            </a:r>
+          </a:p>
+        </p:txBody>
+      </p:sp>
+      <p:sp>
+        <p:nvSpPr>
+          <p:cNvPr id="14" name="Rectangle 13">
+            <a:extLst>
+              <a:ext uri="{FF2B5EF4-FFF2-40B4-BE49-F238E27FC236}">
+                <a16:creationId xmlns:a16="http://schemas.microsoft.com/office/drawing/2014/main" id="{90CDDAF5-47E5-474E-B456-BC1650412776}"/>
+              </a:ext>
+            </a:extLst>
+          </p:cNvPr>
+          <p:cNvSpPr/>
+          <p:nvPr/>
+        </p:nvSpPr>
+        <p:spPr>
+          <a:xfrm>
+            <a:off x="3791445" y="3601938"/>
+            <a:ext cx="866692" cy="604299"/>
+          </a:xfrm>
+          <a:prstGeom prst="rect">
+            <a:avLst/>
+          </a:prstGeom>
+          <a:solidFill>
+            <a:schemeClr val="accent2">
+              <a:lumMod val="60000"/>
+              <a:lumOff val="40000"/>
+            </a:schemeClr>
+          </a:solidFill>
+          <a:ln>
+            <a:noFill/>
+          </a:ln>
+        </p:spPr>
+        <p:style>
+          <a:lnRef idx="2">
+            <a:schemeClr val="accent1">
+              <a:shade val="50000"/>
+            </a:schemeClr>
+          </a:lnRef>
+          <a:fillRef idx="1">
+            <a:schemeClr val="accent1"/>
+          </a:fillRef>
+          <a:effectRef idx="0">
+            <a:schemeClr val="accent1"/>
+          </a:effectRef>
+          <a:fontRef idx="minor">
+            <a:schemeClr val="lt1"/>
+          </a:fontRef>
+        </p:style>
+        <p:txBody>
+          <a:bodyPr rtlCol="0" anchor="ctr"/>
+          <a:lstStyle/>
+          <a:p>
+            <a:pPr algn="ctr"/>
+            <a:r>
+              <a:rPr lang="en-US" sz="1200">
+                <a:solidFill>
+                  <a:schemeClr val="tx1"/>
+                </a:solidFill>
+                <a:latin typeface="Arial" panose="020B0604020202020204" pitchFamily="34" charset="0"/>
+                <a:cs typeface="Arial" panose="020B0604020202020204" pitchFamily="34" charset="0"/>
+              </a:rPr>
+              <a:t>orders-db</a:t>
+            </a:r>
+          </a:p>
+          <a:p>
+            <a:pPr algn="ctr"/>
+            <a:r>
+              <a:rPr lang="en-US" sz="1200">
+                <a:solidFill>
+                  <a:schemeClr val="tx1"/>
+                </a:solidFill>
+                <a:latin typeface="Arial" panose="020B0604020202020204" pitchFamily="34" charset="0"/>
+                <a:cs typeface="Arial" panose="020B0604020202020204" pitchFamily="34" charset="0"/>
+              </a:rPr>
+              <a:t>(Mongo)</a:t>
+            </a:r>
+          </a:p>
+        </p:txBody>
+      </p:sp>
+      <p:sp>
+        <p:nvSpPr>
+          <p:cNvPr id="16" name="Rectangle 15">
+            <a:extLst>
+              <a:ext uri="{FF2B5EF4-FFF2-40B4-BE49-F238E27FC236}">
+                <a16:creationId xmlns:a16="http://schemas.microsoft.com/office/drawing/2014/main" id="{3EDD1914-4A31-3844-9BB8-9CF5E4D2716A}"/>
+              </a:ext>
+            </a:extLst>
+          </p:cNvPr>
+          <p:cNvSpPr/>
+          <p:nvPr/>
+        </p:nvSpPr>
+        <p:spPr>
+          <a:xfrm>
+            <a:off x="544451" y="1838325"/>
+            <a:ext cx="4234283" cy="1188720"/>
+          </a:xfrm>
+          <a:prstGeom prst="rect">
+            <a:avLst/>
+          </a:prstGeom>
+          <a:noFill/>
+          <a:ln w="38100">
+            <a:solidFill>
+              <a:schemeClr val="accent2"/>
+            </a:solidFill>
+          </a:ln>
+        </p:spPr>
+        <p:style>
+          <a:lnRef idx="2">
+            <a:schemeClr val="accent1">
+              <a:shade val="50000"/>
+            </a:schemeClr>
+          </a:lnRef>
+          <a:fillRef idx="1">
+            <a:schemeClr val="accent1"/>
+          </a:fillRef>
+          <a:effectRef idx="0">
+            <a:schemeClr val="accent1"/>
+          </a:effectRef>
+          <a:fontRef idx="minor">
+            <a:schemeClr val="lt1"/>
+          </a:fontRef>
+        </p:style>
+        <p:txBody>
+          <a:bodyPr rtlCol="0" anchor="b"/>
+          <a:lstStyle/>
+          <a:p>
+            <a:pPr algn="ctr"/>
+            <a:r>
+              <a:rPr lang="en-US" sz="1400">
+                <a:solidFill>
+                  <a:schemeClr val="tx1"/>
+                </a:solidFill>
+                <a:latin typeface="Arial" panose="020B0604020202020204" pitchFamily="34" charset="0"/>
+                <a:cs typeface="Arial" panose="020B0604020202020204" pitchFamily="34" charset="0"/>
+              </a:rPr>
+              <a:t>Main Services</a:t>
+            </a:r>
+          </a:p>
+        </p:txBody>
+      </p:sp>
+      <p:sp>
+        <p:nvSpPr>
+          <p:cNvPr id="17" name="Rectangle 16">
+            <a:extLst>
+              <a:ext uri="{FF2B5EF4-FFF2-40B4-BE49-F238E27FC236}">
+                <a16:creationId xmlns:a16="http://schemas.microsoft.com/office/drawing/2014/main" id="{2D58060C-46BD-5E48-B108-AE0506812D53}"/>
+              </a:ext>
+            </a:extLst>
+          </p:cNvPr>
+          <p:cNvSpPr/>
+          <p:nvPr/>
+        </p:nvSpPr>
+        <p:spPr>
+          <a:xfrm>
+            <a:off x="566423" y="3288197"/>
+            <a:ext cx="4234283" cy="1188720"/>
+          </a:xfrm>
+          <a:prstGeom prst="rect">
+            <a:avLst/>
+          </a:prstGeom>
+          <a:noFill/>
+          <a:ln w="38100">
+            <a:solidFill>
+              <a:schemeClr val="accent2"/>
+            </a:solidFill>
+          </a:ln>
+        </p:spPr>
+        <p:style>
+          <a:lnRef idx="2">
+            <a:schemeClr val="accent1">
+              <a:shade val="50000"/>
+            </a:schemeClr>
+          </a:lnRef>
+          <a:fillRef idx="1">
+            <a:schemeClr val="accent1"/>
+          </a:fillRef>
+          <a:effectRef idx="0">
+            <a:schemeClr val="accent1"/>
+          </a:effectRef>
+          <a:fontRef idx="minor">
+            <a:schemeClr val="lt1"/>
+          </a:fontRef>
+        </p:style>
+        <p:txBody>
+          <a:bodyPr rtlCol="0" anchor="b"/>
+          <a:lstStyle/>
+          <a:p>
+            <a:pPr algn="ctr"/>
+            <a:r>
+              <a:rPr lang="en-US" sz="1400">
+                <a:solidFill>
+                  <a:schemeClr val="tx1"/>
+                </a:solidFill>
+                <a:latin typeface="Arial" panose="020B0604020202020204" pitchFamily="34" charset="0"/>
+                <a:cs typeface="Arial" panose="020B0604020202020204" pitchFamily="34" charset="0"/>
+              </a:rPr>
+              <a:t>Databases</a:t>
+            </a:r>
+          </a:p>
+        </p:txBody>
+      </p:sp>
+      <p:cxnSp>
+        <p:nvCxnSpPr>
+          <p:cNvPr id="23" name="Straight Connector 22">
+            <a:extLst>
+              <a:ext uri="{FF2B5EF4-FFF2-40B4-BE49-F238E27FC236}">
+                <a16:creationId xmlns:a16="http://schemas.microsoft.com/office/drawing/2014/main" id="{A50C2C1C-1C1D-F44D-8CFD-4E61DBAD8630}"/>
+              </a:ext>
+            </a:extLst>
+          </p:cNvPr>
+          <p:cNvCxnSpPr>
+            <a:cxnSpLocks/>
+            <a:stCxn id="5" idx="2"/>
+          </p:cNvCxnSpPr>
+          <p:nvPr/>
+        </p:nvCxnSpPr>
+        <p:spPr>
+          <a:xfrm>
+            <a:off x="2661592" y="1557129"/>
+            <a:ext cx="0" cy="381496"/>
+          </a:xfrm>
+          <a:prstGeom prst="line">
+            <a:avLst/>
+          </a:prstGeom>
+          <a:ln w="22225">
+            <a:solidFill>
+              <a:schemeClr val="tx1"/>
+            </a:solidFill>
+            <a:tailEnd type="none"/>
+          </a:ln>
+        </p:spPr>
+        <p:style>
+          <a:lnRef idx="1">
+            <a:schemeClr val="accent1"/>
+          </a:lnRef>
+          <a:fillRef idx="0">
+            <a:schemeClr val="accent1"/>
+          </a:fillRef>
+          <a:effectRef idx="0">
+            <a:schemeClr val="accent1"/>
+          </a:effectRef>
+          <a:fontRef idx="minor">
+            <a:schemeClr val="tx1"/>
+          </a:fontRef>
+        </p:style>
+      </p:cxnSp>
+      <p:cxnSp>
+        <p:nvCxnSpPr>
+          <p:cNvPr id="27" name="Straight Connector 26">
+            <a:extLst>
+              <a:ext uri="{FF2B5EF4-FFF2-40B4-BE49-F238E27FC236}">
+                <a16:creationId xmlns:a16="http://schemas.microsoft.com/office/drawing/2014/main" id="{C86A2106-1EF3-6B44-9887-D702D58BE4EF}"/>
+              </a:ext>
+            </a:extLst>
+          </p:cNvPr>
+          <p:cNvCxnSpPr>
+            <a:cxnSpLocks/>
+          </p:cNvCxnSpPr>
+          <p:nvPr/>
+        </p:nvCxnSpPr>
+        <p:spPr>
+          <a:xfrm>
+            <a:off x="1117158" y="1938625"/>
+            <a:ext cx="3087755" cy="0"/>
+          </a:xfrm>
+          <a:prstGeom prst="line">
+            <a:avLst/>
+          </a:prstGeom>
+          <a:ln w="22225">
+            <a:solidFill>
+              <a:schemeClr val="tx1"/>
+            </a:solidFill>
+            <a:tailEnd type="none"/>
+          </a:ln>
+        </p:spPr>
+        <p:style>
+          <a:lnRef idx="1">
+            <a:schemeClr val="accent1"/>
+          </a:lnRef>
+          <a:fillRef idx="0">
+            <a:schemeClr val="accent1"/>
+          </a:fillRef>
+          <a:effectRef idx="0">
+            <a:schemeClr val="accent1"/>
+          </a:effectRef>
+          <a:fontRef idx="minor">
+            <a:schemeClr val="tx1"/>
+          </a:fontRef>
+        </p:style>
+      </p:cxnSp>
+      <p:cxnSp>
+        <p:nvCxnSpPr>
+          <p:cNvPr id="31" name="Straight Arrow Connector 30">
+            <a:extLst>
+              <a:ext uri="{FF2B5EF4-FFF2-40B4-BE49-F238E27FC236}">
+                <a16:creationId xmlns:a16="http://schemas.microsoft.com/office/drawing/2014/main" id="{207A76EB-A43F-8D4E-B587-5A30F2B4E66F}"/>
+              </a:ext>
+            </a:extLst>
+          </p:cNvPr>
+          <p:cNvCxnSpPr>
+            <a:cxnSpLocks/>
+            <a:endCxn id="11" idx="0"/>
+          </p:cNvCxnSpPr>
+          <p:nvPr/>
+        </p:nvCxnSpPr>
+        <p:spPr>
+          <a:xfrm>
+            <a:off x="1110532" y="1938625"/>
+            <a:ext cx="13252" cy="1663316"/>
+          </a:xfrm>
+          <a:prstGeom prst="straightConnector1">
+            <a:avLst/>
+          </a:prstGeom>
+          <a:ln w="22225">
+            <a:solidFill>
+              <a:schemeClr val="tx1"/>
+            </a:solidFill>
+            <a:tailEnd type="triangle"/>
+          </a:ln>
+        </p:spPr>
+        <p:style>
+          <a:lnRef idx="1">
+            <a:schemeClr val="accent1"/>
+          </a:lnRef>
+          <a:fillRef idx="0">
+            <a:schemeClr val="accent1"/>
+          </a:fillRef>
+          <a:effectRef idx="0">
+            <a:schemeClr val="accent1"/>
+          </a:effectRef>
+          <a:fontRef idx="minor">
+            <a:schemeClr val="tx1"/>
+          </a:fontRef>
+        </p:style>
+      </p:cxnSp>
+      <p:cxnSp>
+        <p:nvCxnSpPr>
+          <p:cNvPr id="35" name="Straight Arrow Connector 34">
+            <a:extLst>
+              <a:ext uri="{FF2B5EF4-FFF2-40B4-BE49-F238E27FC236}">
+                <a16:creationId xmlns:a16="http://schemas.microsoft.com/office/drawing/2014/main" id="{9086B8E4-1C77-4E43-BFBA-83716E4A7591}"/>
+              </a:ext>
+            </a:extLst>
+          </p:cNvPr>
+          <p:cNvCxnSpPr>
+            <a:cxnSpLocks/>
+          </p:cNvCxnSpPr>
+          <p:nvPr/>
+        </p:nvCxnSpPr>
+        <p:spPr>
+          <a:xfrm>
+            <a:off x="2150827" y="1938622"/>
+            <a:ext cx="13252" cy="1663316"/>
+          </a:xfrm>
+          <a:prstGeom prst="straightConnector1">
+            <a:avLst/>
+          </a:prstGeom>
+          <a:ln w="22225">
+            <a:solidFill>
+              <a:schemeClr val="tx1"/>
+            </a:solidFill>
+            <a:tailEnd type="triangle"/>
+          </a:ln>
+        </p:spPr>
+        <p:style>
+          <a:lnRef idx="1">
+            <a:schemeClr val="accent1"/>
+          </a:lnRef>
+          <a:fillRef idx="0">
+            <a:schemeClr val="accent1"/>
+          </a:fillRef>
+          <a:effectRef idx="0">
+            <a:schemeClr val="accent1"/>
+          </a:effectRef>
+          <a:fontRef idx="minor">
+            <a:schemeClr val="tx1"/>
+          </a:fontRef>
+        </p:style>
+      </p:cxnSp>
+      <p:cxnSp>
+        <p:nvCxnSpPr>
+          <p:cNvPr id="36" name="Straight Arrow Connector 35">
+            <a:extLst>
+              <a:ext uri="{FF2B5EF4-FFF2-40B4-BE49-F238E27FC236}">
+                <a16:creationId xmlns:a16="http://schemas.microsoft.com/office/drawing/2014/main" id="{CD5E2379-F3C1-6A45-988F-C0E691C80866}"/>
+              </a:ext>
+            </a:extLst>
+          </p:cNvPr>
+          <p:cNvCxnSpPr>
+            <a:cxnSpLocks/>
+          </p:cNvCxnSpPr>
+          <p:nvPr/>
+        </p:nvCxnSpPr>
+        <p:spPr>
+          <a:xfrm>
+            <a:off x="3177870" y="1938622"/>
+            <a:ext cx="13252" cy="1663316"/>
+          </a:xfrm>
+          <a:prstGeom prst="straightConnector1">
+            <a:avLst/>
+          </a:prstGeom>
+          <a:ln w="22225">
+            <a:solidFill>
+              <a:schemeClr val="tx1"/>
+            </a:solidFill>
+            <a:tailEnd type="triangle"/>
+          </a:ln>
+        </p:spPr>
+        <p:style>
+          <a:lnRef idx="1">
+            <a:schemeClr val="accent1"/>
+          </a:lnRef>
+          <a:fillRef idx="0">
+            <a:schemeClr val="accent1"/>
+          </a:fillRef>
+          <a:effectRef idx="0">
+            <a:schemeClr val="accent1"/>
+          </a:effectRef>
+          <a:fontRef idx="minor">
+            <a:schemeClr val="tx1"/>
+          </a:fontRef>
+        </p:style>
+      </p:cxnSp>
+      <p:cxnSp>
+        <p:nvCxnSpPr>
+          <p:cNvPr id="37" name="Straight Arrow Connector 36">
+            <a:extLst>
+              <a:ext uri="{FF2B5EF4-FFF2-40B4-BE49-F238E27FC236}">
+                <a16:creationId xmlns:a16="http://schemas.microsoft.com/office/drawing/2014/main" id="{68219560-E5E8-F243-984F-D3AFEB25FC91}"/>
+              </a:ext>
+            </a:extLst>
+          </p:cNvPr>
+          <p:cNvCxnSpPr>
+            <a:cxnSpLocks/>
+          </p:cNvCxnSpPr>
+          <p:nvPr/>
+        </p:nvCxnSpPr>
+        <p:spPr>
+          <a:xfrm>
+            <a:off x="4204913" y="1938622"/>
+            <a:ext cx="13252" cy="1663316"/>
+          </a:xfrm>
+          <a:prstGeom prst="straightConnector1">
+            <a:avLst/>
+          </a:prstGeom>
+          <a:ln w="22225">
+            <a:solidFill>
+              <a:schemeClr val="tx1"/>
+            </a:solidFill>
+            <a:tailEnd type="triangle"/>
+          </a:ln>
+        </p:spPr>
+        <p:style>
+          <a:lnRef idx="1">
+            <a:schemeClr val="accent1"/>
+          </a:lnRef>
+          <a:fillRef idx="0">
+            <a:schemeClr val="accent1"/>
+          </a:fillRef>
+          <a:effectRef idx="0">
+            <a:schemeClr val="accent1"/>
+          </a:effectRef>
+          <a:fontRef idx="minor">
+            <a:schemeClr val="tx1"/>
+          </a:fontRef>
+        </p:style>
+      </p:cxnSp>
+      <p:sp>
+        <p:nvSpPr>
+          <p:cNvPr id="6" name="Rectangle 5">
+            <a:extLst>
+              <a:ext uri="{FF2B5EF4-FFF2-40B4-BE49-F238E27FC236}">
+                <a16:creationId xmlns:a16="http://schemas.microsoft.com/office/drawing/2014/main" id="{7EB0FF54-E2BD-CD4F-A304-166EC0E3EF6D}"/>
+              </a:ext>
+            </a:extLst>
+          </p:cNvPr>
+          <p:cNvSpPr/>
+          <p:nvPr/>
+        </p:nvSpPr>
+        <p:spPr>
+          <a:xfrm>
+            <a:off x="677186" y="2100553"/>
+            <a:ext cx="866692" cy="604299"/>
+          </a:xfrm>
+          <a:prstGeom prst="rect">
+            <a:avLst/>
+          </a:prstGeom>
+          <a:solidFill>
+            <a:schemeClr val="accent2">
+              <a:lumMod val="60000"/>
+              <a:lumOff val="40000"/>
+            </a:schemeClr>
+          </a:solidFill>
+          <a:ln>
+            <a:noFill/>
+          </a:ln>
+        </p:spPr>
+        <p:style>
+          <a:lnRef idx="2">
+            <a:schemeClr val="accent1">
+              <a:shade val="50000"/>
+            </a:schemeClr>
+          </a:lnRef>
+          <a:fillRef idx="1">
+            <a:schemeClr val="accent1"/>
+          </a:fillRef>
+          <a:effectRef idx="0">
+            <a:schemeClr val="accent1"/>
+          </a:effectRef>
+          <a:fontRef idx="minor">
+            <a:schemeClr val="lt1"/>
+          </a:fontRef>
+        </p:style>
+        <p:txBody>
+          <a:bodyPr rtlCol="0" anchor="ctr"/>
+          <a:lstStyle/>
+          <a:p>
+            <a:pPr algn="ctr"/>
+            <a:r>
+              <a:rPr lang="en-US" sz="1200">
+                <a:solidFill>
+                  <a:schemeClr val="tx1"/>
+                </a:solidFill>
+                <a:latin typeface="Arial" panose="020B0604020202020204" pitchFamily="34" charset="0"/>
+                <a:cs typeface="Arial" panose="020B0604020202020204" pitchFamily="34" charset="0"/>
+              </a:rPr>
+              <a:t>user</a:t>
+            </a:r>
+          </a:p>
+          <a:p>
+            <a:pPr algn="ctr"/>
+            <a:r>
+              <a:rPr lang="en-US" sz="1200">
+                <a:solidFill>
+                  <a:schemeClr val="tx1"/>
+                </a:solidFill>
+                <a:latin typeface="Arial" panose="020B0604020202020204" pitchFamily="34" charset="0"/>
+                <a:cs typeface="Arial" panose="020B0604020202020204" pitchFamily="34" charset="0"/>
+              </a:rPr>
+              <a:t>(Go)</a:t>
+            </a:r>
+          </a:p>
+        </p:txBody>
+      </p:sp>
+      <p:sp>
+        <p:nvSpPr>
+          <p:cNvPr id="7" name="Rectangle 6">
+            <a:extLst>
+              <a:ext uri="{FF2B5EF4-FFF2-40B4-BE49-F238E27FC236}">
+                <a16:creationId xmlns:a16="http://schemas.microsoft.com/office/drawing/2014/main" id="{BD111C87-3130-9D4E-BC82-753177EF9168}"/>
+              </a:ext>
+            </a:extLst>
+          </p:cNvPr>
+          <p:cNvSpPr/>
+          <p:nvPr/>
+        </p:nvSpPr>
+        <p:spPr>
+          <a:xfrm>
+            <a:off x="1710855" y="2100552"/>
+            <a:ext cx="866692" cy="604299"/>
+          </a:xfrm>
+          <a:prstGeom prst="rect">
+            <a:avLst/>
+          </a:prstGeom>
+          <a:solidFill>
+            <a:schemeClr val="accent2">
+              <a:lumMod val="60000"/>
+              <a:lumOff val="40000"/>
+            </a:schemeClr>
+          </a:solidFill>
+          <a:ln>
+            <a:noFill/>
+          </a:ln>
+        </p:spPr>
+        <p:style>
+          <a:lnRef idx="2">
+            <a:schemeClr val="accent1">
+              <a:shade val="50000"/>
+            </a:schemeClr>
+          </a:lnRef>
+          <a:fillRef idx="1">
+            <a:schemeClr val="accent1"/>
+          </a:fillRef>
+          <a:effectRef idx="0">
+            <a:schemeClr val="accent1"/>
+          </a:effectRef>
+          <a:fontRef idx="minor">
+            <a:schemeClr val="lt1"/>
+          </a:fontRef>
+        </p:style>
+        <p:txBody>
+          <a:bodyPr rtlCol="0" anchor="ctr"/>
+          <a:lstStyle/>
+          <a:p>
+            <a:pPr algn="ctr"/>
+            <a:r>
+              <a:rPr lang="en-US" sz="1200">
+                <a:solidFill>
+                  <a:schemeClr val="tx1"/>
+                </a:solidFill>
+                <a:latin typeface="Arial" panose="020B0604020202020204" pitchFamily="34" charset="0"/>
+                <a:cs typeface="Arial" panose="020B0604020202020204" pitchFamily="34" charset="0"/>
+              </a:rPr>
+              <a:t>catalogue</a:t>
+            </a:r>
+          </a:p>
+          <a:p>
+            <a:pPr algn="ctr"/>
+            <a:r>
+              <a:rPr lang="en-US" sz="1200">
+                <a:solidFill>
+                  <a:schemeClr val="tx1"/>
+                </a:solidFill>
+                <a:latin typeface="Arial" panose="020B0604020202020204" pitchFamily="34" charset="0"/>
+                <a:cs typeface="Arial" panose="020B0604020202020204" pitchFamily="34" charset="0"/>
+              </a:rPr>
+              <a:t>(Go)</a:t>
+            </a:r>
+          </a:p>
+        </p:txBody>
+      </p:sp>
+      <p:sp>
+        <p:nvSpPr>
+          <p:cNvPr id="8" name="Rectangle 7">
+            <a:extLst>
+              <a:ext uri="{FF2B5EF4-FFF2-40B4-BE49-F238E27FC236}">
+                <a16:creationId xmlns:a16="http://schemas.microsoft.com/office/drawing/2014/main" id="{01112A00-6B63-8741-B608-D33A9E71ECC6}"/>
+              </a:ext>
+            </a:extLst>
+          </p:cNvPr>
+          <p:cNvSpPr/>
+          <p:nvPr/>
+        </p:nvSpPr>
+        <p:spPr>
+          <a:xfrm>
+            <a:off x="2744524" y="2100551"/>
+            <a:ext cx="866692" cy="604299"/>
+          </a:xfrm>
+          <a:prstGeom prst="rect">
+            <a:avLst/>
+          </a:prstGeom>
+          <a:solidFill>
+            <a:schemeClr val="accent2">
+              <a:lumMod val="60000"/>
+              <a:lumOff val="40000"/>
+            </a:schemeClr>
+          </a:solidFill>
+          <a:ln>
+            <a:noFill/>
+          </a:ln>
+        </p:spPr>
+        <p:style>
+          <a:lnRef idx="2">
+            <a:schemeClr val="accent1">
+              <a:shade val="50000"/>
+            </a:schemeClr>
+          </a:lnRef>
+          <a:fillRef idx="1">
+            <a:schemeClr val="accent1"/>
+          </a:fillRef>
+          <a:effectRef idx="0">
+            <a:schemeClr val="accent1"/>
+          </a:effectRef>
+          <a:fontRef idx="minor">
+            <a:schemeClr val="lt1"/>
+          </a:fontRef>
+        </p:style>
+        <p:txBody>
+          <a:bodyPr rtlCol="0" anchor="ctr"/>
+          <a:lstStyle/>
+          <a:p>
+            <a:pPr algn="ctr"/>
+            <a:r>
+              <a:rPr lang="en-US" sz="1200">
+                <a:solidFill>
+                  <a:schemeClr val="tx1"/>
+                </a:solidFill>
+                <a:latin typeface="Arial" panose="020B0604020202020204" pitchFamily="34" charset="0"/>
+                <a:cs typeface="Arial" panose="020B0604020202020204" pitchFamily="34" charset="0"/>
+              </a:rPr>
+              <a:t>cart</a:t>
+            </a:r>
+          </a:p>
+          <a:p>
+            <a:pPr algn="ctr"/>
+            <a:r>
+              <a:rPr lang="en-US" sz="1200">
+                <a:solidFill>
+                  <a:schemeClr val="tx1"/>
+                </a:solidFill>
+                <a:latin typeface="Arial" panose="020B0604020202020204" pitchFamily="34" charset="0"/>
+                <a:cs typeface="Arial" panose="020B0604020202020204" pitchFamily="34" charset="0"/>
+              </a:rPr>
+              <a:t>(Java)</a:t>
+            </a:r>
+          </a:p>
+        </p:txBody>
+      </p:sp>
+      <p:sp>
+        <p:nvSpPr>
+          <p:cNvPr id="9" name="Rectangle 8">
+            <a:extLst>
+              <a:ext uri="{FF2B5EF4-FFF2-40B4-BE49-F238E27FC236}">
+                <a16:creationId xmlns:a16="http://schemas.microsoft.com/office/drawing/2014/main" id="{75A53593-C6B1-F54C-8D80-53D187DFFC21}"/>
+              </a:ext>
+            </a:extLst>
+          </p:cNvPr>
+          <p:cNvSpPr/>
+          <p:nvPr/>
+        </p:nvSpPr>
+        <p:spPr>
+          <a:xfrm>
+            <a:off x="3778193" y="2100550"/>
+            <a:ext cx="866692" cy="604299"/>
+          </a:xfrm>
+          <a:prstGeom prst="rect">
+            <a:avLst/>
+          </a:prstGeom>
+          <a:solidFill>
+            <a:schemeClr val="accent2">
+              <a:lumMod val="60000"/>
+              <a:lumOff val="40000"/>
+            </a:schemeClr>
+          </a:solidFill>
+          <a:ln>
+            <a:noFill/>
+          </a:ln>
+        </p:spPr>
+        <p:style>
+          <a:lnRef idx="2">
+            <a:schemeClr val="accent1">
+              <a:shade val="50000"/>
+            </a:schemeClr>
+          </a:lnRef>
+          <a:fillRef idx="1">
+            <a:schemeClr val="accent1"/>
+          </a:fillRef>
+          <a:effectRef idx="0">
+            <a:schemeClr val="accent1"/>
+          </a:effectRef>
+          <a:fontRef idx="minor">
+            <a:schemeClr val="lt1"/>
+          </a:fontRef>
+        </p:style>
+        <p:txBody>
+          <a:bodyPr rtlCol="0" anchor="ctr"/>
+          <a:lstStyle/>
+          <a:p>
+            <a:pPr algn="ctr"/>
+            <a:r>
+              <a:rPr lang="en-US" sz="1200">
+                <a:solidFill>
+                  <a:schemeClr val="tx1"/>
+                </a:solidFill>
+                <a:latin typeface="Arial" panose="020B0604020202020204" pitchFamily="34" charset="0"/>
+                <a:cs typeface="Arial" panose="020B0604020202020204" pitchFamily="34" charset="0"/>
+              </a:rPr>
+              <a:t>orders</a:t>
+            </a:r>
+          </a:p>
+          <a:p>
+            <a:pPr algn="ctr"/>
+            <a:r>
+              <a:rPr lang="en-US" sz="1200">
+                <a:solidFill>
+                  <a:schemeClr val="tx1"/>
+                </a:solidFill>
+                <a:latin typeface="Arial" panose="020B0604020202020204" pitchFamily="34" charset="0"/>
+                <a:cs typeface="Arial" panose="020B0604020202020204" pitchFamily="34" charset="0"/>
+              </a:rPr>
+              <a:t>(Java)</a:t>
+            </a:r>
+          </a:p>
+        </p:txBody>
+      </p:sp>
+      <p:sp>
+        <p:nvSpPr>
+          <p:cNvPr id="40" name="Rectangle 39">
+            <a:extLst>
+              <a:ext uri="{FF2B5EF4-FFF2-40B4-BE49-F238E27FC236}">
+                <a16:creationId xmlns:a16="http://schemas.microsoft.com/office/drawing/2014/main" id="{9932AB51-4606-9241-8BF7-19FD281ABC1B}"/>
+              </a:ext>
+            </a:extLst>
+          </p:cNvPr>
+          <p:cNvSpPr/>
+          <p:nvPr/>
+        </p:nvSpPr>
+        <p:spPr>
+          <a:xfrm>
+            <a:off x="5648074" y="2432685"/>
+            <a:ext cx="866692" cy="604299"/>
+          </a:xfrm>
+          <a:prstGeom prst="rect">
+            <a:avLst/>
+          </a:prstGeom>
+          <a:solidFill>
+            <a:schemeClr val="accent2">
+              <a:lumMod val="60000"/>
+              <a:lumOff val="40000"/>
+            </a:schemeClr>
+          </a:solidFill>
+          <a:ln>
+            <a:noFill/>
+          </a:ln>
+        </p:spPr>
+        <p:style>
+          <a:lnRef idx="2">
+            <a:schemeClr val="accent1">
+              <a:shade val="50000"/>
+            </a:schemeClr>
+          </a:lnRef>
+          <a:fillRef idx="1">
+            <a:schemeClr val="accent1"/>
+          </a:fillRef>
+          <a:effectRef idx="0">
+            <a:schemeClr val="accent1"/>
+          </a:effectRef>
+          <a:fontRef idx="minor">
+            <a:schemeClr val="lt1"/>
+          </a:fontRef>
+        </p:style>
+        <p:txBody>
+          <a:bodyPr rtlCol="0" anchor="ctr"/>
+          <a:lstStyle/>
+          <a:p>
+            <a:pPr algn="ctr"/>
+            <a:r>
+              <a:rPr lang="en-US" sz="1200">
+                <a:solidFill>
+                  <a:schemeClr val="tx1"/>
+                </a:solidFill>
+                <a:latin typeface="Arial" panose="020B0604020202020204" pitchFamily="34" charset="0"/>
+                <a:cs typeface="Arial" panose="020B0604020202020204" pitchFamily="34" charset="0"/>
+              </a:rPr>
+              <a:t>payment</a:t>
+            </a:r>
+          </a:p>
+          <a:p>
+            <a:pPr algn="ctr"/>
+            <a:r>
+              <a:rPr lang="en-US" sz="1200">
+                <a:solidFill>
+                  <a:schemeClr val="tx1"/>
+                </a:solidFill>
+                <a:latin typeface="Arial" panose="020B0604020202020204" pitchFamily="34" charset="0"/>
+                <a:cs typeface="Arial" panose="020B0604020202020204" pitchFamily="34" charset="0"/>
+              </a:rPr>
+              <a:t>(Go)</a:t>
+            </a:r>
+          </a:p>
+        </p:txBody>
+      </p:sp>
+      <p:sp>
+        <p:nvSpPr>
+          <p:cNvPr id="41" name="Rectangle 40">
+            <a:extLst>
+              <a:ext uri="{FF2B5EF4-FFF2-40B4-BE49-F238E27FC236}">
+                <a16:creationId xmlns:a16="http://schemas.microsoft.com/office/drawing/2014/main" id="{D4429EF3-D423-F747-8D39-ADA2467855F5}"/>
+              </a:ext>
+            </a:extLst>
+          </p:cNvPr>
+          <p:cNvSpPr/>
+          <p:nvPr/>
+        </p:nvSpPr>
+        <p:spPr>
+          <a:xfrm>
+            <a:off x="6789665" y="2432685"/>
+            <a:ext cx="866692" cy="604299"/>
+          </a:xfrm>
+          <a:prstGeom prst="rect">
+            <a:avLst/>
+          </a:prstGeom>
+          <a:solidFill>
+            <a:schemeClr val="accent2">
+              <a:lumMod val="60000"/>
+              <a:lumOff val="40000"/>
+            </a:schemeClr>
+          </a:solidFill>
+          <a:ln>
+            <a:noFill/>
+          </a:ln>
+        </p:spPr>
+        <p:style>
+          <a:lnRef idx="2">
+            <a:schemeClr val="accent1">
+              <a:shade val="50000"/>
+            </a:schemeClr>
+          </a:lnRef>
+          <a:fillRef idx="1">
+            <a:schemeClr val="accent1"/>
+          </a:fillRef>
+          <a:effectRef idx="0">
+            <a:schemeClr val="accent1"/>
+          </a:effectRef>
+          <a:fontRef idx="minor">
+            <a:schemeClr val="lt1"/>
+          </a:fontRef>
+        </p:style>
+        <p:txBody>
+          <a:bodyPr rtlCol="0" anchor="ctr"/>
+          <a:lstStyle/>
+          <a:p>
+            <a:pPr algn="ctr"/>
+            <a:r>
+              <a:rPr lang="en-US" sz="1200">
+                <a:solidFill>
+                  <a:schemeClr val="tx1"/>
+                </a:solidFill>
+                <a:latin typeface="Arial" panose="020B0604020202020204" pitchFamily="34" charset="0"/>
+                <a:cs typeface="Arial" panose="020B0604020202020204" pitchFamily="34" charset="0"/>
+              </a:rPr>
+              <a:t>shipping</a:t>
+            </a:r>
+          </a:p>
+          <a:p>
+            <a:pPr algn="ctr"/>
+            <a:r>
+              <a:rPr lang="en-US" sz="1200">
+                <a:solidFill>
+                  <a:schemeClr val="tx1"/>
+                </a:solidFill>
+                <a:latin typeface="Arial" panose="020B0604020202020204" pitchFamily="34" charset="0"/>
+                <a:cs typeface="Arial" panose="020B0604020202020204" pitchFamily="34" charset="0"/>
+              </a:rPr>
+              <a:t>(Java)</a:t>
+            </a:r>
+          </a:p>
+        </p:txBody>
+      </p:sp>
+      <p:sp>
+        <p:nvSpPr>
+          <p:cNvPr id="42" name="Rectangle 41">
+            <a:extLst>
+              <a:ext uri="{FF2B5EF4-FFF2-40B4-BE49-F238E27FC236}">
+                <a16:creationId xmlns:a16="http://schemas.microsoft.com/office/drawing/2014/main" id="{EFA68A1B-3741-054F-81F5-0A0AE519F96C}"/>
+              </a:ext>
+            </a:extLst>
+          </p:cNvPr>
+          <p:cNvSpPr/>
+          <p:nvPr/>
+        </p:nvSpPr>
+        <p:spPr>
+          <a:xfrm>
+            <a:off x="6789665" y="3278258"/>
+            <a:ext cx="866692" cy="604299"/>
+          </a:xfrm>
+          <a:prstGeom prst="rect">
+            <a:avLst/>
+          </a:prstGeom>
+          <a:solidFill>
+            <a:schemeClr val="accent2">
+              <a:lumMod val="60000"/>
+              <a:lumOff val="40000"/>
+            </a:schemeClr>
+          </a:solidFill>
+          <a:ln>
+            <a:noFill/>
+          </a:ln>
+        </p:spPr>
+        <p:style>
+          <a:lnRef idx="2">
+            <a:schemeClr val="accent1">
+              <a:shade val="50000"/>
+            </a:schemeClr>
+          </a:lnRef>
+          <a:fillRef idx="1">
+            <a:schemeClr val="accent1"/>
+          </a:fillRef>
+          <a:effectRef idx="0">
+            <a:schemeClr val="accent1"/>
+          </a:effectRef>
+          <a:fontRef idx="minor">
+            <a:schemeClr val="lt1"/>
+          </a:fontRef>
+        </p:style>
+        <p:txBody>
+          <a:bodyPr rtlCol="0" anchor="ctr"/>
+          <a:lstStyle/>
+          <a:p>
+            <a:pPr algn="ctr"/>
+            <a:r>
+              <a:rPr lang="en-US" sz="1200">
+                <a:solidFill>
+                  <a:schemeClr val="tx1"/>
+                </a:solidFill>
+                <a:latin typeface="Arial" panose="020B0604020202020204" pitchFamily="34" charset="0"/>
+                <a:cs typeface="Arial" panose="020B0604020202020204" pitchFamily="34" charset="0"/>
+              </a:rPr>
+              <a:t>rabbitmq</a:t>
+            </a:r>
+          </a:p>
+          <a:p>
+            <a:pPr algn="ctr"/>
+            <a:r>
+              <a:rPr lang="en-US" sz="1200">
+                <a:solidFill>
+                  <a:schemeClr val="tx1"/>
+                </a:solidFill>
+                <a:latin typeface="Arial" panose="020B0604020202020204" pitchFamily="34" charset="0"/>
+                <a:cs typeface="Arial" panose="020B0604020202020204" pitchFamily="34" charset="0"/>
+              </a:rPr>
+              <a:t>(Erlang)</a:t>
+            </a:r>
+          </a:p>
+        </p:txBody>
+      </p:sp>
+      <p:sp>
+        <p:nvSpPr>
+          <p:cNvPr id="43" name="Rectangle 42">
+            <a:extLst>
+              <a:ext uri="{FF2B5EF4-FFF2-40B4-BE49-F238E27FC236}">
+                <a16:creationId xmlns:a16="http://schemas.microsoft.com/office/drawing/2014/main" id="{6738D55A-87E1-8842-ABF4-6C4B25F3B08B}"/>
+              </a:ext>
+            </a:extLst>
+          </p:cNvPr>
+          <p:cNvSpPr/>
+          <p:nvPr/>
+        </p:nvSpPr>
+        <p:spPr>
+          <a:xfrm>
+            <a:off x="6789665" y="4118655"/>
+            <a:ext cx="866692" cy="604299"/>
+          </a:xfrm>
+          <a:prstGeom prst="rect">
+            <a:avLst/>
+          </a:prstGeom>
+          <a:solidFill>
+            <a:schemeClr val="accent5">
+              <a:lumMod val="60000"/>
+              <a:lumOff val="40000"/>
+            </a:schemeClr>
+          </a:solidFill>
+          <a:ln>
+            <a:noFill/>
+          </a:ln>
+        </p:spPr>
+        <p:style>
+          <a:lnRef idx="2">
+            <a:schemeClr val="accent1">
+              <a:shade val="50000"/>
+            </a:schemeClr>
+          </a:lnRef>
+          <a:fillRef idx="1">
+            <a:schemeClr val="accent1"/>
+          </a:fillRef>
+          <a:effectRef idx="0">
+            <a:schemeClr val="accent1"/>
+          </a:effectRef>
+          <a:fontRef idx="minor">
+            <a:schemeClr val="lt1"/>
+          </a:fontRef>
+        </p:style>
+        <p:txBody>
+          <a:bodyPr rtlCol="0" anchor="ctr"/>
+          <a:lstStyle/>
+          <a:p>
+            <a:pPr algn="ctr"/>
+            <a:r>
+              <a:rPr lang="en-US" sz="1200">
+                <a:solidFill>
+                  <a:schemeClr val="tx1"/>
+                </a:solidFill>
+                <a:latin typeface="Arial" panose="020B0604020202020204" pitchFamily="34" charset="0"/>
+                <a:cs typeface="Arial" panose="020B0604020202020204" pitchFamily="34" charset="0"/>
+              </a:rPr>
+              <a:t>queue master</a:t>
+            </a:r>
+          </a:p>
+          <a:p>
+            <a:pPr algn="ctr"/>
+            <a:r>
+              <a:rPr lang="en-US" sz="1200">
+                <a:solidFill>
+                  <a:schemeClr val="tx1"/>
+                </a:solidFill>
+                <a:latin typeface="Arial" panose="020B0604020202020204" pitchFamily="34" charset="0"/>
+                <a:cs typeface="Arial" panose="020B0604020202020204" pitchFamily="34" charset="0"/>
+              </a:rPr>
+              <a:t>(Java)</a:t>
+            </a:r>
+          </a:p>
+        </p:txBody>
+      </p:sp>
+      <p:sp>
+        <p:nvSpPr>
+          <p:cNvPr id="44" name="Rectangle 43">
+            <a:extLst>
+              <a:ext uri="{FF2B5EF4-FFF2-40B4-BE49-F238E27FC236}">
+                <a16:creationId xmlns:a16="http://schemas.microsoft.com/office/drawing/2014/main" id="{C13C8F14-3007-7B48-AA9C-4541D3764249}"/>
+              </a:ext>
+            </a:extLst>
+          </p:cNvPr>
+          <p:cNvSpPr/>
+          <p:nvPr/>
+        </p:nvSpPr>
+        <p:spPr>
+          <a:xfrm>
+            <a:off x="5425436" y="1838325"/>
+            <a:ext cx="2699389" cy="3092727"/>
+          </a:xfrm>
+          <a:prstGeom prst="rect">
+            <a:avLst/>
+          </a:prstGeom>
+          <a:noFill/>
+          <a:ln w="38100">
+            <a:solidFill>
+              <a:schemeClr val="accent2"/>
+            </a:solidFill>
+          </a:ln>
+        </p:spPr>
+        <p:style>
+          <a:lnRef idx="2">
+            <a:schemeClr val="accent1">
+              <a:shade val="50000"/>
+            </a:schemeClr>
+          </a:lnRef>
+          <a:fillRef idx="1">
+            <a:schemeClr val="accent1"/>
+          </a:fillRef>
+          <a:effectRef idx="0">
+            <a:schemeClr val="accent1"/>
+          </a:effectRef>
+          <a:fontRef idx="minor">
+            <a:schemeClr val="lt1"/>
+          </a:fontRef>
+        </p:style>
+        <p:txBody>
+          <a:bodyPr rtlCol="0" anchor="t"/>
+          <a:lstStyle/>
+          <a:p>
+            <a:pPr algn="ctr"/>
+            <a:r>
+              <a:rPr lang="en-US" sz="1400">
+                <a:solidFill>
+                  <a:schemeClr val="tx1"/>
+                </a:solidFill>
+                <a:latin typeface="Arial" panose="020B0604020202020204" pitchFamily="34" charset="0"/>
+                <a:cs typeface="Arial" panose="020B0604020202020204" pitchFamily="34" charset="0"/>
+              </a:rPr>
+              <a:t>External Services</a:t>
+            </a:r>
+          </a:p>
+        </p:txBody>
+      </p:sp>
+      <p:cxnSp>
+        <p:nvCxnSpPr>
+          <p:cNvPr id="45" name="Straight Connector 44">
+            <a:extLst>
+              <a:ext uri="{FF2B5EF4-FFF2-40B4-BE49-F238E27FC236}">
+                <a16:creationId xmlns:a16="http://schemas.microsoft.com/office/drawing/2014/main" id="{C2F9B3C0-C677-2A40-9B88-8921B942DB5C}"/>
+              </a:ext>
+            </a:extLst>
+          </p:cNvPr>
+          <p:cNvCxnSpPr>
+            <a:cxnSpLocks/>
+          </p:cNvCxnSpPr>
+          <p:nvPr/>
+        </p:nvCxnSpPr>
+        <p:spPr>
+          <a:xfrm>
+            <a:off x="4644885" y="2224375"/>
+            <a:ext cx="2579182" cy="0"/>
+          </a:xfrm>
+          <a:prstGeom prst="line">
+            <a:avLst/>
+          </a:prstGeom>
+          <a:ln w="22225">
+            <a:solidFill>
+              <a:schemeClr val="tx1"/>
+            </a:solidFill>
+            <a:tailEnd type="none"/>
+          </a:ln>
+        </p:spPr>
+        <p:style>
+          <a:lnRef idx="1">
+            <a:schemeClr val="accent1"/>
+          </a:lnRef>
+          <a:fillRef idx="0">
+            <a:schemeClr val="accent1"/>
+          </a:fillRef>
+          <a:effectRef idx="0">
+            <a:schemeClr val="accent1"/>
+          </a:effectRef>
+          <a:fontRef idx="minor">
+            <a:schemeClr val="tx1"/>
+          </a:fontRef>
+        </p:style>
+      </p:cxnSp>
+      <p:cxnSp>
+        <p:nvCxnSpPr>
+          <p:cNvPr id="47" name="Straight Connector 46">
+            <a:extLst>
+              <a:ext uri="{FF2B5EF4-FFF2-40B4-BE49-F238E27FC236}">
+                <a16:creationId xmlns:a16="http://schemas.microsoft.com/office/drawing/2014/main" id="{96A8226C-8310-5340-A7DA-28D729915793}"/>
+              </a:ext>
+            </a:extLst>
+          </p:cNvPr>
+          <p:cNvCxnSpPr>
+            <a:cxnSpLocks/>
+          </p:cNvCxnSpPr>
+          <p:nvPr/>
+        </p:nvCxnSpPr>
+        <p:spPr>
+          <a:xfrm>
+            <a:off x="6071542" y="2224375"/>
+            <a:ext cx="0" cy="208310"/>
+          </a:xfrm>
+          <a:prstGeom prst="line">
+            <a:avLst/>
+          </a:prstGeom>
+          <a:ln w="22225">
+            <a:solidFill>
+              <a:schemeClr val="tx1"/>
+            </a:solidFill>
+            <a:tailEnd type="none"/>
+          </a:ln>
+        </p:spPr>
+        <p:style>
+          <a:lnRef idx="1">
+            <a:schemeClr val="accent1"/>
+          </a:lnRef>
+          <a:fillRef idx="0">
+            <a:schemeClr val="accent1"/>
+          </a:fillRef>
+          <a:effectRef idx="0">
+            <a:schemeClr val="accent1"/>
+          </a:effectRef>
+          <a:fontRef idx="minor">
+            <a:schemeClr val="tx1"/>
+          </a:fontRef>
+        </p:style>
+      </p:cxnSp>
+      <p:cxnSp>
+        <p:nvCxnSpPr>
+          <p:cNvPr id="49" name="Straight Connector 48">
+            <a:extLst>
+              <a:ext uri="{FF2B5EF4-FFF2-40B4-BE49-F238E27FC236}">
+                <a16:creationId xmlns:a16="http://schemas.microsoft.com/office/drawing/2014/main" id="{7D7F24F0-FF05-094F-B574-CA24CC316C3E}"/>
+              </a:ext>
+            </a:extLst>
+          </p:cNvPr>
+          <p:cNvCxnSpPr>
+            <a:cxnSpLocks/>
+          </p:cNvCxnSpPr>
+          <p:nvPr/>
+        </p:nvCxnSpPr>
+        <p:spPr>
+          <a:xfrm>
+            <a:off x="7224067" y="2224375"/>
+            <a:ext cx="0" cy="208310"/>
+          </a:xfrm>
+          <a:prstGeom prst="line">
+            <a:avLst/>
+          </a:prstGeom>
+          <a:ln w="22225">
+            <a:solidFill>
+              <a:schemeClr val="tx1"/>
+            </a:solidFill>
+            <a:tailEnd type="none"/>
+          </a:ln>
+        </p:spPr>
+        <p:style>
+          <a:lnRef idx="1">
+            <a:schemeClr val="accent1"/>
+          </a:lnRef>
+          <a:fillRef idx="0">
+            <a:schemeClr val="accent1"/>
+          </a:fillRef>
+          <a:effectRef idx="0">
+            <a:schemeClr val="accent1"/>
+          </a:effectRef>
+          <a:fontRef idx="minor">
+            <a:schemeClr val="tx1"/>
+          </a:fontRef>
+        </p:style>
+      </p:cxnSp>
+      <p:cxnSp>
+        <p:nvCxnSpPr>
+          <p:cNvPr id="51" name="Straight Connector 50">
+            <a:extLst>
+              <a:ext uri="{FF2B5EF4-FFF2-40B4-BE49-F238E27FC236}">
+                <a16:creationId xmlns:a16="http://schemas.microsoft.com/office/drawing/2014/main" id="{63E08ACF-1015-2C43-84E0-D5872EC9AB55}"/>
+              </a:ext>
+            </a:extLst>
+          </p:cNvPr>
+          <p:cNvCxnSpPr>
+            <a:cxnSpLocks/>
+          </p:cNvCxnSpPr>
+          <p:nvPr/>
+        </p:nvCxnSpPr>
+        <p:spPr>
+          <a:xfrm>
+            <a:off x="7147867" y="3036984"/>
+            <a:ext cx="0" cy="251213"/>
+          </a:xfrm>
+          <a:prstGeom prst="line">
+            <a:avLst/>
+          </a:prstGeom>
+          <a:ln w="22225">
+            <a:solidFill>
+              <a:schemeClr val="tx1"/>
+            </a:solidFill>
+            <a:tailEnd type="triangle"/>
+          </a:ln>
+        </p:spPr>
+        <p:style>
+          <a:lnRef idx="1">
+            <a:schemeClr val="accent1"/>
+          </a:lnRef>
+          <a:fillRef idx="0">
+            <a:schemeClr val="accent1"/>
+          </a:fillRef>
+          <a:effectRef idx="0">
+            <a:schemeClr val="accent1"/>
+          </a:effectRef>
+          <a:fontRef idx="minor">
+            <a:schemeClr val="tx1"/>
+          </a:fontRef>
+        </p:style>
+      </p:cxnSp>
+      <p:cxnSp>
+        <p:nvCxnSpPr>
+          <p:cNvPr id="53" name="Straight Connector 52">
+            <a:extLst>
+              <a:ext uri="{FF2B5EF4-FFF2-40B4-BE49-F238E27FC236}">
+                <a16:creationId xmlns:a16="http://schemas.microsoft.com/office/drawing/2014/main" id="{24F7961C-4A78-8D42-8931-9C3086BABC52}"/>
+              </a:ext>
+            </a:extLst>
+          </p:cNvPr>
+          <p:cNvCxnSpPr>
+            <a:cxnSpLocks/>
+          </p:cNvCxnSpPr>
+          <p:nvPr/>
+        </p:nvCxnSpPr>
+        <p:spPr>
+          <a:xfrm>
+            <a:off x="7147867" y="3882557"/>
+            <a:ext cx="0" cy="251213"/>
+          </a:xfrm>
+          <a:prstGeom prst="line">
+            <a:avLst/>
+          </a:prstGeom>
+          <a:ln w="22225">
+            <a:solidFill>
+              <a:schemeClr val="tx1"/>
+            </a:solidFill>
+            <a:tailEnd type="triangle"/>
+          </a:ln>
+        </p:spPr>
+        <p:style>
+          <a:lnRef idx="1">
+            <a:schemeClr val="accent1"/>
+          </a:lnRef>
+          <a:fillRef idx="0">
+            <a:schemeClr val="accent1"/>
+          </a:fillRef>
+          <a:effectRef idx="0">
+            <a:schemeClr val="accent1"/>
+          </a:effectRef>
+          <a:fontRef idx="minor">
+            <a:schemeClr val="tx1"/>
+          </a:fontRef>
+        </p:style>
+      </p:cxnSp>
+      <p:cxnSp>
+        <p:nvCxnSpPr>
+          <p:cNvPr id="54" name="Straight Connector 53">
+            <a:extLst>
+              <a:ext uri="{FF2B5EF4-FFF2-40B4-BE49-F238E27FC236}">
+                <a16:creationId xmlns:a16="http://schemas.microsoft.com/office/drawing/2014/main" id="{35C38649-6D58-DA44-91A4-612D54E1C168}"/>
+              </a:ext>
+            </a:extLst>
+          </p:cNvPr>
+          <p:cNvCxnSpPr>
+            <a:cxnSpLocks/>
+          </p:cNvCxnSpPr>
+          <p:nvPr/>
+        </p:nvCxnSpPr>
+        <p:spPr>
+          <a:xfrm>
+            <a:off x="7300267" y="3882557"/>
+            <a:ext cx="0" cy="251213"/>
+          </a:xfrm>
+          <a:prstGeom prst="line">
+            <a:avLst/>
+          </a:prstGeom>
+          <a:ln w="22225">
+            <a:solidFill>
+              <a:schemeClr val="tx1"/>
+            </a:solidFill>
+            <a:headEnd type="triangle"/>
+            <a:tailEnd type="none"/>
+          </a:ln>
+        </p:spPr>
+        <p:style>
+          <a:lnRef idx="1">
+            <a:schemeClr val="accent1"/>
+          </a:lnRef>
+          <a:fillRef idx="0">
+            <a:schemeClr val="accent1"/>
+          </a:fillRef>
+          <a:effectRef idx="0">
+            <a:schemeClr val="accent1"/>
+          </a:effectRef>
+          <a:fontRef idx="minor">
+            <a:schemeClr val="tx1"/>
+          </a:fontRef>
+        </p:style>
+      </p:cxnSp>
+      <p:cxnSp>
+        <p:nvCxnSpPr>
+          <p:cNvPr id="55" name="Straight Connector 54">
+            <a:extLst>
+              <a:ext uri="{FF2B5EF4-FFF2-40B4-BE49-F238E27FC236}">
+                <a16:creationId xmlns:a16="http://schemas.microsoft.com/office/drawing/2014/main" id="{058D6A5E-4514-D64B-B7C7-753357412036}"/>
+              </a:ext>
+            </a:extLst>
+          </p:cNvPr>
+          <p:cNvCxnSpPr>
+            <a:cxnSpLocks/>
+          </p:cNvCxnSpPr>
+          <p:nvPr/>
+        </p:nvCxnSpPr>
+        <p:spPr>
+          <a:xfrm>
+            <a:off x="7304384" y="3036984"/>
+            <a:ext cx="0" cy="251213"/>
+          </a:xfrm>
+          <a:prstGeom prst="line">
+            <a:avLst/>
+          </a:prstGeom>
+          <a:ln w="22225">
+            <a:solidFill>
+              <a:schemeClr val="tx1"/>
+            </a:solidFill>
+            <a:headEnd type="triangle"/>
+            <a:tailEnd type="none"/>
+          </a:ln>
+        </p:spPr>
+        <p:style>
+          <a:lnRef idx="1">
+            <a:schemeClr val="accent1"/>
+          </a:lnRef>
+          <a:fillRef idx="0">
+            <a:schemeClr val="accent1"/>
+          </a:fillRef>
+          <a:effectRef idx="0">
+            <a:schemeClr val="accent1"/>
+          </a:effectRef>
+          <a:fontRef idx="minor">
+            <a:schemeClr val="tx1"/>
+          </a:fontRef>
+        </p:style>
+      </p:cxnSp>
+      <p:sp>
+        <p:nvSpPr>
+          <p:cNvPr id="56" name="TextBox 55">
+            <a:extLst>
+              <a:ext uri="{FF2B5EF4-FFF2-40B4-BE49-F238E27FC236}">
+                <a16:creationId xmlns:a16="http://schemas.microsoft.com/office/drawing/2014/main" id="{44464D5F-C488-5A45-87DC-E24678F9F067}"/>
+              </a:ext>
+            </a:extLst>
+          </p:cNvPr>
+          <p:cNvSpPr txBox="1"/>
+          <p:nvPr/>
+        </p:nvSpPr>
+        <p:spPr>
+          <a:xfrm>
+            <a:off x="1800021" y="1111196"/>
+            <a:ext cx="402444" cy="307777"/>
+          </a:xfrm>
+          <a:prstGeom prst="rect">
+            <a:avLst/>
+          </a:prstGeom>
+          <a:noFill/>
+        </p:spPr>
+        <p:txBody>
+          <a:bodyPr wrap="square" rtlCol="0">
+            <a:spAutoFit/>
+          </a:bodyPr>
+          <a:lstStyle/>
+          <a:p>
+            <a:r>
+              <a:rPr lang="en-US" sz="1400" dirty="0">
+                <a:latin typeface="Arial" panose="020B0604020202020204" pitchFamily="34" charset="0"/>
+                <a:ea typeface="Verdana" panose="020B0604030504040204" pitchFamily="34" charset="0"/>
+                <a:cs typeface="Arial" panose="020B0604020202020204" pitchFamily="34" charset="0"/>
+              </a:rPr>
+              <a:t>UI</a:t>
+            </a:r>
+          </a:p>
+        </p:txBody>
+      </p:sp>
+      <p:sp>
+        <p:nvSpPr>
+          <p:cNvPr id="59" name="Rectangle 58">
+            <a:extLst>
+              <a:ext uri="{FF2B5EF4-FFF2-40B4-BE49-F238E27FC236}">
+                <a16:creationId xmlns:a16="http://schemas.microsoft.com/office/drawing/2014/main" id="{E729D506-B33B-F04E-B4AC-2AA809A2963D}"/>
+              </a:ext>
+            </a:extLst>
+          </p:cNvPr>
+          <p:cNvSpPr/>
+          <p:nvPr/>
+        </p:nvSpPr>
+        <p:spPr>
+          <a:xfrm>
+            <a:off x="1040065" y="4642016"/>
+            <a:ext cx="478326" cy="289036"/>
+          </a:xfrm>
+          <a:prstGeom prst="rect">
+            <a:avLst/>
+          </a:prstGeom>
+          <a:solidFill>
+            <a:schemeClr val="accent2">
+              <a:lumMod val="60000"/>
+              <a:lumOff val="40000"/>
+            </a:schemeClr>
+          </a:solidFill>
+          <a:ln>
+            <a:noFill/>
+          </a:ln>
+        </p:spPr>
+        <p:style>
+          <a:lnRef idx="2">
+            <a:schemeClr val="accent1">
+              <a:shade val="50000"/>
+            </a:schemeClr>
+          </a:lnRef>
+          <a:fillRef idx="1">
+            <a:schemeClr val="accent1"/>
+          </a:fillRef>
+          <a:effectRef idx="0">
+            <a:schemeClr val="accent1"/>
+          </a:effectRef>
+          <a:fontRef idx="minor">
+            <a:schemeClr val="lt1"/>
+          </a:fontRef>
+        </p:style>
+        <p:txBody>
+          <a:bodyPr rtlCol="0" anchor="ctr"/>
+          <a:lstStyle/>
+          <a:p>
+            <a:pPr algn="ctr"/>
+            <a:endParaRPr lang="en-US" sz="1200">
+              <a:solidFill>
+                <a:schemeClr val="tx1"/>
+              </a:solidFill>
+              <a:latin typeface="Arial" panose="020B0604020202020204" pitchFamily="34" charset="0"/>
+              <a:cs typeface="Arial" panose="020B0604020202020204" pitchFamily="34" charset="0"/>
+            </a:endParaRPr>
+          </a:p>
+        </p:txBody>
+      </p:sp>
+      <p:sp>
+        <p:nvSpPr>
+          <p:cNvPr id="60" name="Rectangle 59">
+            <a:extLst>
+              <a:ext uri="{FF2B5EF4-FFF2-40B4-BE49-F238E27FC236}">
+                <a16:creationId xmlns:a16="http://schemas.microsoft.com/office/drawing/2014/main" id="{E3EC4E0E-1EF1-6D41-89AF-4497AEFC94B8}"/>
+              </a:ext>
+            </a:extLst>
+          </p:cNvPr>
+          <p:cNvSpPr/>
+          <p:nvPr/>
+        </p:nvSpPr>
+        <p:spPr>
+          <a:xfrm>
+            <a:off x="2741720" y="4642016"/>
+            <a:ext cx="478326" cy="289036"/>
+          </a:xfrm>
+          <a:prstGeom prst="rect">
+            <a:avLst/>
+          </a:prstGeom>
+          <a:solidFill>
+            <a:schemeClr val="accent5">
+              <a:lumMod val="60000"/>
+              <a:lumOff val="40000"/>
+            </a:schemeClr>
+          </a:solidFill>
+          <a:ln>
+            <a:noFill/>
+          </a:ln>
+        </p:spPr>
+        <p:style>
+          <a:lnRef idx="2">
+            <a:schemeClr val="accent1">
+              <a:shade val="50000"/>
+            </a:schemeClr>
+          </a:lnRef>
+          <a:fillRef idx="1">
+            <a:schemeClr val="accent1"/>
+          </a:fillRef>
+          <a:effectRef idx="0">
+            <a:schemeClr val="accent1"/>
+          </a:effectRef>
+          <a:fontRef idx="minor">
+            <a:schemeClr val="lt1"/>
+          </a:fontRef>
+        </p:style>
+        <p:txBody>
+          <a:bodyPr rtlCol="0" anchor="ctr"/>
+          <a:lstStyle/>
+          <a:p>
+            <a:pPr algn="ctr"/>
+            <a:endParaRPr lang="en-US" sz="1200">
+              <a:solidFill>
+                <a:schemeClr val="tx1"/>
+              </a:solidFill>
+              <a:latin typeface="Arial" panose="020B0604020202020204" pitchFamily="34" charset="0"/>
+              <a:cs typeface="Arial" panose="020B0604020202020204" pitchFamily="34" charset="0"/>
+            </a:endParaRPr>
+          </a:p>
+        </p:txBody>
+      </p:sp>
+      <p:sp>
+        <p:nvSpPr>
+          <p:cNvPr id="61" name="TextBox 60">
+            <a:extLst>
+              <a:ext uri="{FF2B5EF4-FFF2-40B4-BE49-F238E27FC236}">
+                <a16:creationId xmlns:a16="http://schemas.microsoft.com/office/drawing/2014/main" id="{6DE06B91-C541-9145-A084-FEAF94D70B10}"/>
+              </a:ext>
+            </a:extLst>
+          </p:cNvPr>
+          <p:cNvSpPr txBox="1"/>
+          <p:nvPr/>
+        </p:nvSpPr>
+        <p:spPr>
+          <a:xfrm>
+            <a:off x="1508545" y="4632645"/>
+            <a:ext cx="1153047" cy="276999"/>
+          </a:xfrm>
+          <a:prstGeom prst="rect">
+            <a:avLst/>
+          </a:prstGeom>
+          <a:noFill/>
+        </p:spPr>
+        <p:txBody>
+          <a:bodyPr wrap="square" rtlCol="0">
+            <a:spAutoFit/>
+          </a:bodyPr>
+          <a:lstStyle/>
+          <a:p>
+            <a:r>
+              <a:rPr lang="en-US" sz="1200" dirty="0">
+                <a:latin typeface="Arial" panose="020B0604020202020204" pitchFamily="34" charset="0"/>
+                <a:ea typeface="Verdana" panose="020B0604030504040204" pitchFamily="34" charset="0"/>
+                <a:cs typeface="Arial" panose="020B0604020202020204" pitchFamily="34" charset="0"/>
+              </a:rPr>
+              <a:t>Docker Driver</a:t>
+            </a:r>
+          </a:p>
+        </p:txBody>
+      </p:sp>
+      <p:sp>
+        <p:nvSpPr>
+          <p:cNvPr id="62" name="TextBox 61">
+            <a:extLst>
+              <a:ext uri="{FF2B5EF4-FFF2-40B4-BE49-F238E27FC236}">
+                <a16:creationId xmlns:a16="http://schemas.microsoft.com/office/drawing/2014/main" id="{415A0B63-6E82-4342-800E-38C9BF88D04E}"/>
+              </a:ext>
+            </a:extLst>
+          </p:cNvPr>
+          <p:cNvSpPr txBox="1"/>
+          <p:nvPr/>
+        </p:nvSpPr>
+        <p:spPr>
+          <a:xfrm>
+            <a:off x="3191121" y="4632645"/>
+            <a:ext cx="1453763" cy="276999"/>
+          </a:xfrm>
+          <a:prstGeom prst="rect">
+            <a:avLst/>
+          </a:prstGeom>
+          <a:noFill/>
+        </p:spPr>
+        <p:txBody>
+          <a:bodyPr wrap="square" rtlCol="0">
+            <a:spAutoFit/>
+          </a:bodyPr>
+          <a:lstStyle/>
+          <a:p>
+            <a:r>
+              <a:rPr lang="en-US" sz="1200" dirty="0">
+                <a:latin typeface="Arial" panose="020B0604020202020204" pitchFamily="34" charset="0"/>
+                <a:ea typeface="Verdana" panose="020B0604030504040204" pitchFamily="34" charset="0"/>
+                <a:cs typeface="Arial" panose="020B0604020202020204" pitchFamily="34" charset="0"/>
+              </a:rPr>
+              <a:t>Java Driver</a:t>
+            </a:r>
+          </a:p>
+        </p:txBody>
+      </p:sp>
     </p:spTree>
     <p:extLst>
       <p:ext uri="{BB962C8B-B14F-4D97-AF65-F5344CB8AC3E}">
-        <p14:creationId xmlns:p14="http://schemas.microsoft.com/office/powerpoint/2010/main" val="3943106007"/>
+        <p14:creationId xmlns:p14="http://schemas.microsoft.com/office/powerpoint/2010/main" val="541126230"/>
       </p:ext>
     </p:extLst>
   </p:cSld>
@@ -14360,7 +16450,7 @@
           <p:cNvPr id="2" name="Text Placeholder 1">
             <a:extLst>
               <a:ext uri="{FF2B5EF4-FFF2-40B4-BE49-F238E27FC236}">
-                <a16:creationId xmlns:a16="http://schemas.microsoft.com/office/drawing/2014/main" id="{EF0D8CA8-A7FE-004F-BF76-325AC99F611A}"/>
+                <a16:creationId xmlns:a16="http://schemas.microsoft.com/office/drawing/2014/main" id="{4A8047F7-E30E-3F43-B32A-F2CBBA1041B4}"/>
               </a:ext>
             </a:extLst>
           </p:cNvPr>
@@ -14378,25 +16468,31 @@
           <a:p>
             <a:r>
               <a:rPr lang="en-US"/>
-              <a:t>Most of the Sock Shop microservices run inside Docker containers after being loaded from Docker images.</a:t>
+              <a:t>Packer builds an Amazon EC2 image with Nomad, Consul, Docker, and everything else needed to run the Sock Shop apps.</a:t>
             </a:r>
           </a:p>
           <a:p>
             <a:r>
               <a:rPr lang="en-US"/>
-              <a:t>But one of them, queue-master, runs as a Java application directly on one of the Nomad instances.</a:t>
+              <a:t>Terraform provisions everything to AWS.</a:t>
             </a:r>
           </a:p>
           <a:p>
             <a:r>
               <a:rPr lang="en-US"/>
-              <a:t>We’re also using an overlay Docker network that spans multiple hosts. As mentioned on the previous slide, Consul is used as a distributed key/value store for this network.</a:t>
+              <a:t>Nomad schedules and manages the Sock Shop microservices.</a:t>
             </a:r>
           </a:p>
           <a:p>
             <a:r>
               <a:rPr lang="en-US"/>
-              <a:t>Everything is deployed to Amazon EC2.</a:t>
+              <a:t>Consul is used for service discovery, as a storage backend for Vault, and as a distributed key/value store for a Docker overlay network.</a:t>
+            </a:r>
+          </a:p>
+          <a:p>
+            <a:r>
+              <a:rPr lang="en-US"/>
+              <a:t>Vault dynamically provisions AWS credentials to Terraform and provides database passwords to Nomad.</a:t>
             </a:r>
           </a:p>
         </p:txBody>
@@ -14406,7 +16502,7 @@
           <p:cNvPr id="3" name="Title 2">
             <a:extLst>
               <a:ext uri="{FF2B5EF4-FFF2-40B4-BE49-F238E27FC236}">
-                <a16:creationId xmlns:a16="http://schemas.microsoft.com/office/drawing/2014/main" id="{ED544B36-93C5-0944-B6EA-71059739C51A}"/>
+                <a16:creationId xmlns:a16="http://schemas.microsoft.com/office/drawing/2014/main" id="{E4F93715-0AB7-854F-8A4E-D20C934B7AE6}"/>
               </a:ext>
             </a:extLst>
           </p:cNvPr>
@@ -14424,7 +16520,7 @@
           <a:p>
             <a:r>
               <a:rPr lang="en-US"/>
-              <a:t>Other Technologies Used</a:t>
+              <a:t>How HashiCorp Solutions Are Used</a:t>
             </a:r>
           </a:p>
         </p:txBody>
@@ -14434,7 +16530,7 @@
           <p:cNvPr id="4" name="Slide Number Placeholder 3">
             <a:extLst>
               <a:ext uri="{FF2B5EF4-FFF2-40B4-BE49-F238E27FC236}">
-                <a16:creationId xmlns:a16="http://schemas.microsoft.com/office/drawing/2014/main" id="{F8BF9DF9-DAD1-B64B-99BC-F77B52BDD511}"/>
+                <a16:creationId xmlns:a16="http://schemas.microsoft.com/office/drawing/2014/main" id="{C6EF2974-DD14-4E49-A1D7-78E2D8AC072E}"/>
               </a:ext>
             </a:extLst>
           </p:cNvPr>
@@ -14462,7 +16558,7 @@
     </p:spTree>
     <p:extLst>
       <p:ext uri="{BB962C8B-B14F-4D97-AF65-F5344CB8AC3E}">
-        <p14:creationId xmlns:p14="http://schemas.microsoft.com/office/powerpoint/2010/main" val="953270568"/>
+        <p14:creationId xmlns:p14="http://schemas.microsoft.com/office/powerpoint/2010/main" val="3943106007"/>
       </p:ext>
     </p:extLst>
   </p:cSld>
@@ -14494,7 +16590,7 @@
           <p:cNvPr id="2" name="Text Placeholder 1">
             <a:extLst>
               <a:ext uri="{FF2B5EF4-FFF2-40B4-BE49-F238E27FC236}">
-                <a16:creationId xmlns:a16="http://schemas.microsoft.com/office/drawing/2014/main" id="{D3650E58-BDEB-4949-95B6-60316A0B4C71}"/>
+                <a16:creationId xmlns:a16="http://schemas.microsoft.com/office/drawing/2014/main" id="{EF0D8CA8-A7FE-004F-BF76-325AC99F611A}"/>
               </a:ext>
             </a:extLst>
           </p:cNvPr>
@@ -14511,52 +16607,26 @@
           <a:lstStyle/>
           <a:p>
             <a:r>
-              <a:rPr lang="en-US" b="1"/>
-              <a:t>Packer</a:t>
-            </a:r>
-            <a:r>
               <a:rPr lang="en-US"/>
-              <a:t> builds AMIs and other VM images.</a:t>
-            </a:r>
-          </a:p>
-          <a:p>
-            <a:r>
-              <a:rPr lang="en-US" b="1"/>
-              <a:t>Terraform </a:t>
-            </a:r>
+              <a:t>Most of the Sock Shop microservices run inside Docker containers after being loaded from Docker images.</a:t>
+            </a:r>
+          </a:p>
+          <a:p>
             <a:r>
               <a:rPr lang="en-US"/>
-              <a:t>provisions these images and other infrastructure to private and public clouds, using “infrastructure as code”. This includes pulling your Terraform code from your VCS system and managing state of the provisioned infrastructure.</a:t>
-            </a:r>
-          </a:p>
-          <a:p>
-            <a:r>
-              <a:rPr lang="en-US" b="1"/>
-              <a:t>Nomad</a:t>
-            </a:r>
+              <a:t>But one of them, queue-master, runs as a Java application directly on one of the Nomad instances.</a:t>
+            </a:r>
+          </a:p>
+          <a:p>
             <a:r>
               <a:rPr lang="en-US"/>
-              <a:t> schedules and manages the applications across clusters that span multiple regions and clouds on both Linux and Windows.</a:t>
-            </a:r>
-          </a:p>
-          <a:p>
-            <a:r>
-              <a:rPr lang="en-US" b="1"/>
-              <a:t>Consul</a:t>
-            </a:r>
+              <a:t>We’re also using an overlay Docker network that spans multiple hosts. As mentioned on the previous slide, Consul is used as a distributed key/value store for this network.</a:t>
+            </a:r>
+          </a:p>
+          <a:p>
             <a:r>
               <a:rPr lang="en-US"/>
-              <a:t> lets the microservices discover and talk to each other no matter where they are deployed.</a:t>
-            </a:r>
-          </a:p>
-          <a:p>
-            <a:r>
-              <a:rPr lang="en-US" b="1"/>
-              <a:t>Vault</a:t>
-            </a:r>
-            <a:r>
-              <a:rPr lang="en-US"/>
-              <a:t> secures and manages your secrets such as passwords and keys.</a:t>
+              <a:t>Everything is deployed to Amazon EC2.</a:t>
             </a:r>
           </a:p>
         </p:txBody>
@@ -14566,7 +16636,7 @@
           <p:cNvPr id="3" name="Title 2">
             <a:extLst>
               <a:ext uri="{FF2B5EF4-FFF2-40B4-BE49-F238E27FC236}">
-                <a16:creationId xmlns:a16="http://schemas.microsoft.com/office/drawing/2014/main" id="{0671F79C-1213-CD45-B2B7-519F7F7474D4}"/>
+                <a16:creationId xmlns:a16="http://schemas.microsoft.com/office/drawing/2014/main" id="{ED544B36-93C5-0944-B6EA-71059739C51A}"/>
               </a:ext>
             </a:extLst>
           </p:cNvPr>
@@ -14579,14 +16649,12 @@
         </p:nvSpPr>
         <p:spPr/>
         <p:txBody>
-          <a:bodyPr>
-            <a:normAutofit fontScale="90000"/>
-          </a:bodyPr>
+          <a:bodyPr/>
           <a:lstStyle/>
           <a:p>
             <a:r>
               <a:rPr lang="en-US"/>
-              <a:t>How HashiCorp Runs Microservices in the Cloud</a:t>
+              <a:t>Other Technologies Used</a:t>
             </a:r>
           </a:p>
         </p:txBody>
@@ -14596,7 +16664,7 @@
           <p:cNvPr id="4" name="Slide Number Placeholder 3">
             <a:extLst>
               <a:ext uri="{FF2B5EF4-FFF2-40B4-BE49-F238E27FC236}">
-                <a16:creationId xmlns:a16="http://schemas.microsoft.com/office/drawing/2014/main" id="{6535A00D-CB72-E84E-968F-A1B45C66BA9C}"/>
+                <a16:creationId xmlns:a16="http://schemas.microsoft.com/office/drawing/2014/main" id="{F8BF9DF9-DAD1-B64B-99BC-F77B52BDD511}"/>
               </a:ext>
             </a:extLst>
           </p:cNvPr>
@@ -14624,7 +16692,7 @@
     </p:spTree>
     <p:extLst>
       <p:ext uri="{BB962C8B-B14F-4D97-AF65-F5344CB8AC3E}">
-        <p14:creationId xmlns:p14="http://schemas.microsoft.com/office/powerpoint/2010/main" val="604102475"/>
+        <p14:creationId xmlns:p14="http://schemas.microsoft.com/office/powerpoint/2010/main" val="953270568"/>
       </p:ext>
     </p:extLst>
   </p:cSld>
@@ -14656,7 +16724,7 @@
           <p:cNvPr id="2" name="Text Placeholder 1">
             <a:extLst>
               <a:ext uri="{FF2B5EF4-FFF2-40B4-BE49-F238E27FC236}">
-                <a16:creationId xmlns:a16="http://schemas.microsoft.com/office/drawing/2014/main" id="{448DD595-4854-7640-85B2-617B3B55B2F1}"/>
+                <a16:creationId xmlns:a16="http://schemas.microsoft.com/office/drawing/2014/main" id="{D3650E58-BDEB-4949-95B6-60316A0B4C71}"/>
               </a:ext>
             </a:extLst>
           </p:cNvPr>
@@ -14673,14 +16741,52 @@
           <a:lstStyle/>
           <a:p>
             <a:r>
+              <a:rPr lang="en-US" b="1"/>
+              <a:t>Packer</a:t>
+            </a:r>
+            <a:r>
               <a:rPr lang="en-US"/>
-              <a:t>Packer is very flexible and easy to use. It can create identical images for multiple platforms, such as VMware for testing and AWS for production.</a:t>
-            </a:r>
-          </a:p>
-          <a:p>
+              <a:t> builds AMIs and other VM images.</a:t>
+            </a:r>
+          </a:p>
+          <a:p>
+            <a:r>
+              <a:rPr lang="en-US" b="1"/>
+              <a:t>Terraform </a:t>
+            </a:r>
             <a:r>
               <a:rPr lang="en-US"/>
-              <a:t>In this demo, we use it to build an AMI that includes Nomad, Consul, and Docker with everything provisioned and ready to run</a:t>
+              <a:t>provisions these images and other infrastructure to private and public clouds, using “infrastructure as code”. This includes pulling your Terraform code from your VCS system and managing state of the provisioned infrastructure.</a:t>
+            </a:r>
+          </a:p>
+          <a:p>
+            <a:r>
+              <a:rPr lang="en-US" b="1"/>
+              <a:t>Nomad</a:t>
+            </a:r>
+            <a:r>
+              <a:rPr lang="en-US"/>
+              <a:t> schedules and manages the applications across clusters that span multiple regions and clouds on both Linux and Windows.</a:t>
+            </a:r>
+          </a:p>
+          <a:p>
+            <a:r>
+              <a:rPr lang="en-US" b="1"/>
+              <a:t>Consul</a:t>
+            </a:r>
+            <a:r>
+              <a:rPr lang="en-US"/>
+              <a:t> lets the microservices discover and talk to each other no matter where they are deployed.</a:t>
+            </a:r>
+          </a:p>
+          <a:p>
+            <a:r>
+              <a:rPr lang="en-US" b="1"/>
+              <a:t>Vault</a:t>
+            </a:r>
+            <a:r>
+              <a:rPr lang="en-US"/>
+              <a:t> secures and manages your secrets such as passwords and keys.</a:t>
             </a:r>
           </a:p>
         </p:txBody>
@@ -14690,7 +16796,7 @@
           <p:cNvPr id="3" name="Title 2">
             <a:extLst>
               <a:ext uri="{FF2B5EF4-FFF2-40B4-BE49-F238E27FC236}">
-                <a16:creationId xmlns:a16="http://schemas.microsoft.com/office/drawing/2014/main" id="{370B648C-E6D9-AE4F-9863-3CB3017A3DE1}"/>
+                <a16:creationId xmlns:a16="http://schemas.microsoft.com/office/drawing/2014/main" id="{0671F79C-1213-CD45-B2B7-519F7F7474D4}"/>
               </a:ext>
             </a:extLst>
           </p:cNvPr>
@@ -14703,12 +16809,14 @@
         </p:nvSpPr>
         <p:spPr/>
         <p:txBody>
-          <a:bodyPr/>
+          <a:bodyPr>
+            <a:normAutofit fontScale="90000"/>
+          </a:bodyPr>
           <a:lstStyle/>
           <a:p>
             <a:r>
               <a:rPr lang="en-US"/>
-              <a:t>Packer</a:t>
+              <a:t>How HashiCorp Runs Microservices in the Cloud</a:t>
             </a:r>
           </a:p>
         </p:txBody>
@@ -14718,7 +16826,7 @@
           <p:cNvPr id="4" name="Slide Number Placeholder 3">
             <a:extLst>
               <a:ext uri="{FF2B5EF4-FFF2-40B4-BE49-F238E27FC236}">
-                <a16:creationId xmlns:a16="http://schemas.microsoft.com/office/drawing/2014/main" id="{72011E4E-333D-D744-9468-27F93B569513}"/>
+                <a16:creationId xmlns:a16="http://schemas.microsoft.com/office/drawing/2014/main" id="{6535A00D-CB72-E84E-968F-A1B45C66BA9C}"/>
               </a:ext>
             </a:extLst>
           </p:cNvPr>
@@ -14746,7 +16854,7 @@
     </p:spTree>
     <p:extLst>
       <p:ext uri="{BB962C8B-B14F-4D97-AF65-F5344CB8AC3E}">
-        <p14:creationId xmlns:p14="http://schemas.microsoft.com/office/powerpoint/2010/main" val="1426824590"/>
+        <p14:creationId xmlns:p14="http://schemas.microsoft.com/office/powerpoint/2010/main" val="604102475"/>
       </p:ext>
     </p:extLst>
   </p:cSld>
@@ -14778,7 +16886,7 @@
           <p:cNvPr id="2" name="Text Placeholder 1">
             <a:extLst>
               <a:ext uri="{FF2B5EF4-FFF2-40B4-BE49-F238E27FC236}">
-                <a16:creationId xmlns:a16="http://schemas.microsoft.com/office/drawing/2014/main" id="{92936EE3-F55A-324D-8CDF-B158FCA8E74A}"/>
+                <a16:creationId xmlns:a16="http://schemas.microsoft.com/office/drawing/2014/main" id="{448DD595-4854-7640-85B2-617B3B55B2F1}"/>
               </a:ext>
             </a:extLst>
           </p:cNvPr>
@@ -14796,19 +16904,13 @@
           <a:p>
             <a:r>
               <a:rPr lang="en-US"/>
-              <a:t>Terraform provisions the machines you need and deploys software to them. It can do this in any cloud, whether private or public.</a:t>
+              <a:t>Packer is very flexible and easy to use. It can create identical images for multiple platforms, such as VMware for testing and AWS for production.</a:t>
             </a:r>
           </a:p>
           <a:p>
             <a:r>
               <a:rPr lang="en-US"/>
-              <a:t>In this demo, Terraform provisions server and client EC2 instances running Nomad, Consul, and Docker along with a security group that allows all required network communications to occur.</a:t>
-            </a:r>
-          </a:p>
-          <a:p>
-            <a:r>
-              <a:rPr lang="en-US"/>
-              <a:t>It also builds the Nomad and Consul configuration files from templates after replacing things like IP addresses and the URL of the Vault server from which Nomad retrieves secrets.</a:t>
+              <a:t>In this demo, we use it to build an AMI that includes Nomad, Consul, and Docker with everything provisioned and ready to run</a:t>
             </a:r>
           </a:p>
         </p:txBody>
@@ -14818,7 +16920,7 @@
           <p:cNvPr id="3" name="Title 2">
             <a:extLst>
               <a:ext uri="{FF2B5EF4-FFF2-40B4-BE49-F238E27FC236}">
-                <a16:creationId xmlns:a16="http://schemas.microsoft.com/office/drawing/2014/main" id="{552C00AF-D8A6-814B-A17D-1209304F3306}"/>
+                <a16:creationId xmlns:a16="http://schemas.microsoft.com/office/drawing/2014/main" id="{370B648C-E6D9-AE4F-9863-3CB3017A3DE1}"/>
               </a:ext>
             </a:extLst>
           </p:cNvPr>
@@ -14836,7 +16938,7 @@
           <a:p>
             <a:r>
               <a:rPr lang="en-US"/>
-              <a:t>Terraform</a:t>
+              <a:t>Packer</a:t>
             </a:r>
           </a:p>
         </p:txBody>
@@ -14846,7 +16948,7 @@
           <p:cNvPr id="4" name="Slide Number Placeholder 3">
             <a:extLst>
               <a:ext uri="{FF2B5EF4-FFF2-40B4-BE49-F238E27FC236}">
-                <a16:creationId xmlns:a16="http://schemas.microsoft.com/office/drawing/2014/main" id="{D3BBFDBC-ED7B-7A4F-9638-E57C77D7EF42}"/>
+                <a16:creationId xmlns:a16="http://schemas.microsoft.com/office/drawing/2014/main" id="{72011E4E-333D-D744-9468-27F93B569513}"/>
               </a:ext>
             </a:extLst>
           </p:cNvPr>
@@ -14874,7 +16976,7 @@
     </p:spTree>
     <p:extLst>
       <p:ext uri="{BB962C8B-B14F-4D97-AF65-F5344CB8AC3E}">
-        <p14:creationId xmlns:p14="http://schemas.microsoft.com/office/powerpoint/2010/main" val="1607586421"/>
+        <p14:creationId xmlns:p14="http://schemas.microsoft.com/office/powerpoint/2010/main" val="1426824590"/>
       </p:ext>
     </p:extLst>
   </p:cSld>
@@ -14906,7 +17008,7 @@
           <p:cNvPr id="2" name="Text Placeholder 1">
             <a:extLst>
               <a:ext uri="{FF2B5EF4-FFF2-40B4-BE49-F238E27FC236}">
-                <a16:creationId xmlns:a16="http://schemas.microsoft.com/office/drawing/2014/main" id="{5B282358-9555-BC4B-98E3-893A93AD5DA3}"/>
+                <a16:creationId xmlns:a16="http://schemas.microsoft.com/office/drawing/2014/main" id="{92936EE3-F55A-324D-8CDF-B158FCA8E74A}"/>
               </a:ext>
             </a:extLst>
           </p:cNvPr>
@@ -14924,29 +17026,20 @@
           <a:p>
             <a:r>
               <a:rPr lang="en-US"/>
-              <a:t>Nomad deploys and manages applications across clusters of many virtual and/or physical machines.</a:t>
+              <a:t>Terraform provisions the machines you need and deploys software to them. It can do this in any cloud, whether private or public.</a:t>
             </a:r>
           </a:p>
           <a:p>
             <a:r>
               <a:rPr lang="en-US"/>
-              <a:t>It can run Docker containers as we have discussed, but can also run other workloads, whether containerized or not, including Java applications.</a:t>
+              <a:t>In this demo, Terraform provisions server and client EC2 instances running Nomad, Consul, and Docker along with a security group that allows all required network communications to occur.</a:t>
             </a:r>
           </a:p>
           <a:p>
             <a:r>
               <a:rPr lang="en-US"/>
-              <a:t>Nomad does not limit you to a single region or even to a single cloud vendor.</a:t>
-            </a:r>
-          </a:p>
-          <a:p>
-            <a:r>
-              <a:rPr lang="en-US"/>
-              <a:t>Nomad has a single binary used on both client and server nodes, making it architecturally much simpler than options like Kubernetes.</a:t>
-            </a:r>
-          </a:p>
-          <a:p>
-            <a:endParaRPr lang="en-US"/>
+              <a:t>It also builds the Nomad and Consul configuration files from templates after replacing things like IP addresses and the URL of the Vault server from which Nomad retrieves secrets.</a:t>
+            </a:r>
           </a:p>
         </p:txBody>
       </p:sp>
@@ -14955,7 +17048,7 @@
           <p:cNvPr id="3" name="Title 2">
             <a:extLst>
               <a:ext uri="{FF2B5EF4-FFF2-40B4-BE49-F238E27FC236}">
-                <a16:creationId xmlns:a16="http://schemas.microsoft.com/office/drawing/2014/main" id="{2E00ECF5-0140-BA44-87ED-0869F21AFE3F}"/>
+                <a16:creationId xmlns:a16="http://schemas.microsoft.com/office/drawing/2014/main" id="{552C00AF-D8A6-814B-A17D-1209304F3306}"/>
               </a:ext>
             </a:extLst>
           </p:cNvPr>
@@ -14973,7 +17066,7 @@
           <a:p>
             <a:r>
               <a:rPr lang="en-US"/>
-              <a:t>Nomad</a:t>
+              <a:t>Terraform</a:t>
             </a:r>
           </a:p>
         </p:txBody>
@@ -14983,7 +17076,7 @@
           <p:cNvPr id="4" name="Slide Number Placeholder 3">
             <a:extLst>
               <a:ext uri="{FF2B5EF4-FFF2-40B4-BE49-F238E27FC236}">
-                <a16:creationId xmlns:a16="http://schemas.microsoft.com/office/drawing/2014/main" id="{E1EBD438-060E-E940-9A76-F1CC8A43BC31}"/>
+                <a16:creationId xmlns:a16="http://schemas.microsoft.com/office/drawing/2014/main" id="{D3BBFDBC-ED7B-7A4F-9638-E57C77D7EF42}"/>
               </a:ext>
             </a:extLst>
           </p:cNvPr>
@@ -15011,7 +17104,7 @@
     </p:spTree>
     <p:extLst>
       <p:ext uri="{BB962C8B-B14F-4D97-AF65-F5344CB8AC3E}">
-        <p14:creationId xmlns:p14="http://schemas.microsoft.com/office/powerpoint/2010/main" val="4120085931"/>
+        <p14:creationId xmlns:p14="http://schemas.microsoft.com/office/powerpoint/2010/main" val="1607586421"/>
       </p:ext>
     </p:extLst>
   </p:cSld>
